--- a/clase3/teoria/clase3.pptx
+++ b/clase3/teoria/clase3.pptx
@@ -5,7 +5,7 @@
     <p:sldMasterId id="2147483722" r:id="rId1"/>
   </p:sldMasterIdLst>
   <p:notesMasterIdLst>
-    <p:notesMasterId r:id="rId17"/>
+    <p:notesMasterId r:id="rId21"/>
   </p:notesMasterIdLst>
   <p:sldIdLst>
     <p:sldId id="256" r:id="rId2"/>
@@ -13,16 +13,20 @@
     <p:sldId id="292" r:id="rId4"/>
     <p:sldId id="299" r:id="rId5"/>
     <p:sldId id="263" r:id="rId6"/>
-    <p:sldId id="544" r:id="rId7"/>
-    <p:sldId id="546" r:id="rId8"/>
-    <p:sldId id="547" r:id="rId9"/>
-    <p:sldId id="545" r:id="rId10"/>
-    <p:sldId id="548" r:id="rId11"/>
-    <p:sldId id="549" r:id="rId12"/>
-    <p:sldId id="550" r:id="rId13"/>
-    <p:sldId id="552" r:id="rId14"/>
-    <p:sldId id="551" r:id="rId15"/>
-    <p:sldId id="553" r:id="rId16"/>
+    <p:sldId id="554" r:id="rId7"/>
+    <p:sldId id="543" r:id="rId8"/>
+    <p:sldId id="555" r:id="rId9"/>
+    <p:sldId id="556" r:id="rId10"/>
+    <p:sldId id="544" r:id="rId11"/>
+    <p:sldId id="546" r:id="rId12"/>
+    <p:sldId id="547" r:id="rId13"/>
+    <p:sldId id="545" r:id="rId14"/>
+    <p:sldId id="548" r:id="rId15"/>
+    <p:sldId id="549" r:id="rId16"/>
+    <p:sldId id="550" r:id="rId17"/>
+    <p:sldId id="552" r:id="rId18"/>
+    <p:sldId id="551" r:id="rId19"/>
+    <p:sldId id="553" r:id="rId20"/>
   </p:sldIdLst>
   <p:sldSz cx="12192000" cy="6858000"/>
   <p:notesSz cx="6858000" cy="9144000"/>
@@ -212,7 +216,7 @@
           <a:p>
             <a:fld id="{D642B323-82A1-7544-9837-FC5DD1BB8A69}" type="datetimeFigureOut">
               <a:rPr lang="es-ES_tradnl" smtClean="0"/>
-              <a:t>21/6/24</a:t>
+              <a:t>7/7/24</a:t>
             </a:fld>
             <a:endParaRPr lang="es-ES_tradnl"/>
           </a:p>
@@ -605,6 +609,302 @@
 </p:notes>
 </file>
 
+<file path=ppt/notesSlides/notesSlide10.xml><?xml version="1.0" encoding="utf-8"?>
+<p:notes xmlns:a="http://schemas.openxmlformats.org/drawingml/2006/main" xmlns:r="http://schemas.openxmlformats.org/officeDocument/2006/relationships" xmlns:p="http://schemas.openxmlformats.org/presentationml/2006/main">
+  <p:cSld>
+    <p:spTree>
+      <p:nvGrpSpPr>
+        <p:cNvPr id="1" name="">
+          <a:extLst>
+            <a:ext uri="{FF2B5EF4-FFF2-40B4-BE49-F238E27FC236}">
+              <a16:creationId xmlns:a16="http://schemas.microsoft.com/office/drawing/2014/main" id="{9E4D20A7-2319-9384-BA99-26DB983F55F3}"/>
+            </a:ext>
+          </a:extLst>
+        </p:cNvPr>
+        <p:cNvGrpSpPr/>
+        <p:nvPr/>
+      </p:nvGrpSpPr>
+      <p:grpSpPr>
+        <a:xfrm>
+          <a:off x="0" y="0"/>
+          <a:ext cx="0" cy="0"/>
+          <a:chOff x="0" y="0"/>
+          <a:chExt cx="0" cy="0"/>
+        </a:xfrm>
+      </p:grpSpPr>
+      <p:sp>
+        <p:nvSpPr>
+          <p:cNvPr id="2" name="Slide Image Placeholder 1">
+            <a:extLst>
+              <a:ext uri="{FF2B5EF4-FFF2-40B4-BE49-F238E27FC236}">
+                <a16:creationId xmlns:a16="http://schemas.microsoft.com/office/drawing/2014/main" id="{0616CE51-8E59-1842-2104-C7C8A47CDFC5}"/>
+              </a:ext>
+            </a:extLst>
+          </p:cNvPr>
+          <p:cNvSpPr>
+            <a:spLocks noGrp="1" noRot="1" noChangeAspect="1"/>
+          </p:cNvSpPr>
+          <p:nvPr>
+            <p:ph type="sldImg"/>
+          </p:nvPr>
+        </p:nvSpPr>
+        <p:spPr/>
+      </p:sp>
+      <p:sp>
+        <p:nvSpPr>
+          <p:cNvPr id="3" name="Notes Placeholder 2">
+            <a:extLst>
+              <a:ext uri="{FF2B5EF4-FFF2-40B4-BE49-F238E27FC236}">
+                <a16:creationId xmlns:a16="http://schemas.microsoft.com/office/drawing/2014/main" id="{F6DED9D3-2118-1351-1352-65E3A9CDCB23}"/>
+              </a:ext>
+            </a:extLst>
+          </p:cNvPr>
+          <p:cNvSpPr>
+            <a:spLocks noGrp="1"/>
+          </p:cNvSpPr>
+          <p:nvPr>
+            <p:ph type="body" idx="1"/>
+          </p:nvPr>
+        </p:nvSpPr>
+        <p:spPr/>
+        <p:txBody>
+          <a:bodyPr/>
+          <a:lstStyle/>
+          <a:p>
+            <a:pPr marL="0" marR="0" lvl="0" indent="0" algn="l" defTabSz="914400" rtl="0" eaLnBrk="1" fontAlgn="auto" latinLnBrk="0" hangingPunct="1">
+              <a:lnSpc>
+                <a:spcPct val="100000"/>
+              </a:lnSpc>
+              <a:spcBef>
+                <a:spcPts val="0"/>
+              </a:spcBef>
+              <a:spcAft>
+                <a:spcPts val="0"/>
+              </a:spcAft>
+              <a:buClrTx/>
+              <a:buSzTx/>
+              <a:buFontTx/>
+              <a:buNone/>
+              <a:tabLst/>
+              <a:defRPr/>
+            </a:pPr>
+            <a:r>
+              <a:rPr lang="es-ES" sz="6000" dirty="0"/>
+              <a:t>Ir a la notebook 9, 10 y 11</a:t>
+            </a:r>
+          </a:p>
+          <a:p>
+            <a:pPr marL="0" marR="0" lvl="0" indent="0" algn="l" defTabSz="914400" rtl="0" eaLnBrk="1" fontAlgn="auto" latinLnBrk="0" hangingPunct="1">
+              <a:lnSpc>
+                <a:spcPct val="100000"/>
+              </a:lnSpc>
+              <a:spcBef>
+                <a:spcPts val="0"/>
+              </a:spcBef>
+              <a:spcAft>
+                <a:spcPts val="0"/>
+              </a:spcAft>
+              <a:buClrTx/>
+              <a:buSzTx/>
+              <a:buFontTx/>
+              <a:buNone/>
+              <a:tabLst/>
+              <a:defRPr/>
+            </a:pPr>
+            <a:endParaRPr lang="es-ES" sz="6000" dirty="0"/>
+          </a:p>
+        </p:txBody>
+      </p:sp>
+      <p:sp>
+        <p:nvSpPr>
+          <p:cNvPr id="4" name="Slide Number Placeholder 3">
+            <a:extLst>
+              <a:ext uri="{FF2B5EF4-FFF2-40B4-BE49-F238E27FC236}">
+                <a16:creationId xmlns:a16="http://schemas.microsoft.com/office/drawing/2014/main" id="{E5B1E8C2-C7D1-89B0-EC3B-5673B2C9D95B}"/>
+              </a:ext>
+            </a:extLst>
+          </p:cNvPr>
+          <p:cNvSpPr>
+            <a:spLocks noGrp="1"/>
+          </p:cNvSpPr>
+          <p:nvPr>
+            <p:ph type="sldNum" sz="quarter" idx="5"/>
+          </p:nvPr>
+        </p:nvSpPr>
+        <p:spPr/>
+        <p:txBody>
+          <a:bodyPr/>
+          <a:lstStyle/>
+          <a:p>
+            <a:fld id="{10A8952F-1C0B-F641-899D-BA69BEE8A7E7}" type="slidenum">
+              <a:rPr lang="es-ES_tradnl" smtClean="0"/>
+              <a:t>18</a:t>
+            </a:fld>
+            <a:endParaRPr lang="es-ES_tradnl"/>
+          </a:p>
+        </p:txBody>
+      </p:sp>
+    </p:spTree>
+    <p:extLst>
+      <p:ext uri="{BB962C8B-B14F-4D97-AF65-F5344CB8AC3E}">
+        <p14:creationId xmlns:p14="http://schemas.microsoft.com/office/powerpoint/2010/main" val="895706029"/>
+      </p:ext>
+    </p:extLst>
+  </p:cSld>
+  <p:clrMapOvr>
+    <a:masterClrMapping/>
+  </p:clrMapOvr>
+</p:notes>
+</file>
+
+<file path=ppt/notesSlides/notesSlide11.xml><?xml version="1.0" encoding="utf-8"?>
+<p:notes xmlns:a="http://schemas.openxmlformats.org/drawingml/2006/main" xmlns:r="http://schemas.openxmlformats.org/officeDocument/2006/relationships" xmlns:p="http://schemas.openxmlformats.org/presentationml/2006/main">
+  <p:cSld>
+    <p:spTree>
+      <p:nvGrpSpPr>
+        <p:cNvPr id="1" name="">
+          <a:extLst>
+            <a:ext uri="{FF2B5EF4-FFF2-40B4-BE49-F238E27FC236}">
+              <a16:creationId xmlns:a16="http://schemas.microsoft.com/office/drawing/2014/main" id="{9E4D20A7-2319-9384-BA99-26DB983F55F3}"/>
+            </a:ext>
+          </a:extLst>
+        </p:cNvPr>
+        <p:cNvGrpSpPr/>
+        <p:nvPr/>
+      </p:nvGrpSpPr>
+      <p:grpSpPr>
+        <a:xfrm>
+          <a:off x="0" y="0"/>
+          <a:ext cx="0" cy="0"/>
+          <a:chOff x="0" y="0"/>
+          <a:chExt cx="0" cy="0"/>
+        </a:xfrm>
+      </p:grpSpPr>
+      <p:sp>
+        <p:nvSpPr>
+          <p:cNvPr id="2" name="Slide Image Placeholder 1">
+            <a:extLst>
+              <a:ext uri="{FF2B5EF4-FFF2-40B4-BE49-F238E27FC236}">
+                <a16:creationId xmlns:a16="http://schemas.microsoft.com/office/drawing/2014/main" id="{0616CE51-8E59-1842-2104-C7C8A47CDFC5}"/>
+              </a:ext>
+            </a:extLst>
+          </p:cNvPr>
+          <p:cNvSpPr>
+            <a:spLocks noGrp="1" noRot="1" noChangeAspect="1"/>
+          </p:cNvSpPr>
+          <p:nvPr>
+            <p:ph type="sldImg"/>
+          </p:nvPr>
+        </p:nvSpPr>
+        <p:spPr/>
+      </p:sp>
+      <p:sp>
+        <p:nvSpPr>
+          <p:cNvPr id="3" name="Notes Placeholder 2">
+            <a:extLst>
+              <a:ext uri="{FF2B5EF4-FFF2-40B4-BE49-F238E27FC236}">
+                <a16:creationId xmlns:a16="http://schemas.microsoft.com/office/drawing/2014/main" id="{F6DED9D3-2118-1351-1352-65E3A9CDCB23}"/>
+              </a:ext>
+            </a:extLst>
+          </p:cNvPr>
+          <p:cNvSpPr>
+            <a:spLocks noGrp="1"/>
+          </p:cNvSpPr>
+          <p:nvPr>
+            <p:ph type="body" idx="1"/>
+          </p:nvPr>
+        </p:nvSpPr>
+        <p:spPr/>
+        <p:txBody>
+          <a:bodyPr/>
+          <a:lstStyle/>
+          <a:p>
+            <a:pPr marL="0" marR="0" lvl="0" indent="0" algn="l" defTabSz="914400" rtl="0" eaLnBrk="1" fontAlgn="auto" latinLnBrk="0" hangingPunct="1">
+              <a:lnSpc>
+                <a:spcPct val="100000"/>
+              </a:lnSpc>
+              <a:spcBef>
+                <a:spcPts val="0"/>
+              </a:spcBef>
+              <a:spcAft>
+                <a:spcPts val="0"/>
+              </a:spcAft>
+              <a:buClrTx/>
+              <a:buSzTx/>
+              <a:buFontTx/>
+              <a:buNone/>
+              <a:tabLst/>
+              <a:defRPr/>
+            </a:pPr>
+            <a:r>
+              <a:rPr lang="es-ES" sz="6000" dirty="0"/>
+              <a:t>Ir a la notebook 9, 10 y 11</a:t>
+            </a:r>
+          </a:p>
+          <a:p>
+            <a:pPr marL="0" marR="0" lvl="0" indent="0" algn="l" defTabSz="914400" rtl="0" eaLnBrk="1" fontAlgn="auto" latinLnBrk="0" hangingPunct="1">
+              <a:lnSpc>
+                <a:spcPct val="100000"/>
+              </a:lnSpc>
+              <a:spcBef>
+                <a:spcPts val="0"/>
+              </a:spcBef>
+              <a:spcAft>
+                <a:spcPts val="0"/>
+              </a:spcAft>
+              <a:buClrTx/>
+              <a:buSzTx/>
+              <a:buFontTx/>
+              <a:buNone/>
+              <a:tabLst/>
+              <a:defRPr/>
+            </a:pPr>
+            <a:endParaRPr lang="es-ES" sz="6000" dirty="0"/>
+          </a:p>
+        </p:txBody>
+      </p:sp>
+      <p:sp>
+        <p:nvSpPr>
+          <p:cNvPr id="4" name="Slide Number Placeholder 3">
+            <a:extLst>
+              <a:ext uri="{FF2B5EF4-FFF2-40B4-BE49-F238E27FC236}">
+                <a16:creationId xmlns:a16="http://schemas.microsoft.com/office/drawing/2014/main" id="{E5B1E8C2-C7D1-89B0-EC3B-5673B2C9D95B}"/>
+              </a:ext>
+            </a:extLst>
+          </p:cNvPr>
+          <p:cNvSpPr>
+            <a:spLocks noGrp="1"/>
+          </p:cNvSpPr>
+          <p:nvPr>
+            <p:ph type="sldNum" sz="quarter" idx="5"/>
+          </p:nvPr>
+        </p:nvSpPr>
+        <p:spPr/>
+        <p:txBody>
+          <a:bodyPr/>
+          <a:lstStyle/>
+          <a:p>
+            <a:fld id="{10A8952F-1C0B-F641-899D-BA69BEE8A7E7}" type="slidenum">
+              <a:rPr lang="es-ES_tradnl" smtClean="0"/>
+              <a:t>19</a:t>
+            </a:fld>
+            <a:endParaRPr lang="es-ES_tradnl"/>
+          </a:p>
+        </p:txBody>
+      </p:sp>
+    </p:spTree>
+    <p:extLst>
+      <p:ext uri="{BB962C8B-B14F-4D97-AF65-F5344CB8AC3E}">
+        <p14:creationId xmlns:p14="http://schemas.microsoft.com/office/powerpoint/2010/main" val="1788435820"/>
+      </p:ext>
+    </p:extLst>
+  </p:cSld>
+  <p:clrMapOvr>
+    <a:masterClrMapping/>
+  </p:clrMapOvr>
+</p:notes>
+</file>
+
 <file path=ppt/notesSlides/notesSlide2.xml><?xml version="1.0" encoding="utf-8"?>
 <p:notes xmlns:a="http://schemas.openxmlformats.org/drawingml/2006/main" xmlns:r="http://schemas.openxmlformats.org/officeDocument/2006/relationships" xmlns:p="http://schemas.openxmlformats.org/presentationml/2006/main">
   <p:cSld>
@@ -811,7 +1111,15 @@
             </a:pPr>
             <a:r>
               <a:rPr lang="es-ES" sz="6000" dirty="0"/>
-              <a:t>Ir a la notebook 4</a:t>
+              <a:t>Ir a la notebook de </a:t>
+            </a:r>
+            <a:r>
+              <a:rPr lang="es-ES" sz="6000" dirty="0" err="1"/>
+              <a:t>Numpy</a:t>
+            </a:r>
+            <a:r>
+              <a:rPr lang="es-ES" sz="6000" dirty="0"/>
+              <a:t> hasta antes de Tipos</a:t>
             </a:r>
           </a:p>
           <a:p>
@@ -958,8 +1266,8 @@
               <a:defRPr/>
             </a:pPr>
             <a:r>
-              <a:rPr lang="es-ES" sz="6000" dirty="0"/>
-              <a:t>Ir a la notebook 5</a:t>
+              <a:rPr lang="en-US" sz="8000" dirty="0"/>
+              <a:t>bool_ Boolean (True or False) stored as a byte</a:t>
             </a:r>
           </a:p>
           <a:p>
@@ -980,6 +1288,181 @@
               <a:tabLst/>
               <a:defRPr/>
             </a:pPr>
+            <a:r>
+              <a:rPr lang="en-US" sz="8000" dirty="0"/>
+              <a:t>int_ Default integer type (same as C long; normally either int64 or int32)</a:t>
+            </a:r>
+          </a:p>
+          <a:p>
+            <a:pPr marL="0" marR="0" lvl="0" indent="0" algn="l" defTabSz="914400" rtl="0" eaLnBrk="1" fontAlgn="auto" latinLnBrk="0" hangingPunct="1">
+              <a:lnSpc>
+                <a:spcPct val="100000"/>
+              </a:lnSpc>
+              <a:spcBef>
+                <a:spcPts val="0"/>
+              </a:spcBef>
+              <a:spcAft>
+                <a:spcPts val="0"/>
+              </a:spcAft>
+              <a:buClrTx/>
+              <a:buSzTx/>
+              <a:buFontTx/>
+              <a:buNone/>
+              <a:tabLst/>
+              <a:defRPr/>
+            </a:pPr>
+            <a:r>
+              <a:rPr lang="en-US" sz="8000" dirty="0" err="1"/>
+              <a:t>intc</a:t>
+            </a:r>
+            <a:r>
+              <a:rPr lang="en-US" sz="8000" dirty="0"/>
+              <a:t> Identical to C int (normally int32 or int64)</a:t>
+            </a:r>
+          </a:p>
+          <a:p>
+            <a:pPr marL="0" marR="0" lvl="0" indent="0" algn="l" defTabSz="914400" rtl="0" eaLnBrk="1" fontAlgn="auto" latinLnBrk="0" hangingPunct="1">
+              <a:lnSpc>
+                <a:spcPct val="100000"/>
+              </a:lnSpc>
+              <a:spcBef>
+                <a:spcPts val="0"/>
+              </a:spcBef>
+              <a:spcAft>
+                <a:spcPts val="0"/>
+              </a:spcAft>
+              <a:buClrTx/>
+              <a:buSzTx/>
+              <a:buFontTx/>
+              <a:buNone/>
+              <a:tabLst/>
+              <a:defRPr/>
+            </a:pPr>
+            <a:r>
+              <a:rPr lang="en-US" sz="8000" dirty="0" err="1"/>
+              <a:t>intp</a:t>
+            </a:r>
+            <a:r>
+              <a:rPr lang="en-US" sz="8000" dirty="0"/>
+              <a:t> Integer used for indexing (same as C </a:t>
+            </a:r>
+            <a:r>
+              <a:rPr lang="en-US" sz="8000" dirty="0" err="1"/>
+              <a:t>ssize_t</a:t>
+            </a:r>
+            <a:r>
+              <a:rPr lang="en-US" sz="8000" dirty="0"/>
+              <a:t>; normally either int32 or int64)</a:t>
+            </a:r>
+          </a:p>
+          <a:p>
+            <a:pPr marL="0" marR="0" lvl="0" indent="0" algn="l" defTabSz="914400" rtl="0" eaLnBrk="1" fontAlgn="auto" latinLnBrk="0" hangingPunct="1">
+              <a:lnSpc>
+                <a:spcPct val="100000"/>
+              </a:lnSpc>
+              <a:spcBef>
+                <a:spcPts val="0"/>
+              </a:spcBef>
+              <a:spcAft>
+                <a:spcPts val="0"/>
+              </a:spcAft>
+              <a:buClrTx/>
+              <a:buSzTx/>
+              <a:buFontTx/>
+              <a:buNone/>
+              <a:tabLst/>
+              <a:defRPr/>
+            </a:pPr>
+            <a:r>
+              <a:rPr lang="en-US" sz="8000" dirty="0"/>
+              <a:t>float_ Shorthand for float64</a:t>
+            </a:r>
+          </a:p>
+          <a:p>
+            <a:pPr marL="0" marR="0" lvl="0" indent="0" algn="l" defTabSz="914400" rtl="0" eaLnBrk="1" fontAlgn="auto" latinLnBrk="0" hangingPunct="1">
+              <a:lnSpc>
+                <a:spcPct val="100000"/>
+              </a:lnSpc>
+              <a:spcBef>
+                <a:spcPts val="0"/>
+              </a:spcBef>
+              <a:spcAft>
+                <a:spcPts val="0"/>
+              </a:spcAft>
+              <a:buClrTx/>
+              <a:buSzTx/>
+              <a:buFontTx/>
+              <a:buNone/>
+              <a:tabLst/>
+              <a:defRPr/>
+            </a:pPr>
+            <a:r>
+              <a:rPr lang="es-ES" sz="6000" dirty="0"/>
+              <a:t>c</a:t>
+            </a:r>
+            <a:r>
+              <a:rPr lang="en-US" sz="8000" dirty="0" err="1"/>
+              <a:t>omplex</a:t>
+            </a:r>
+            <a:r>
+              <a:rPr lang="en-US" sz="8000" dirty="0"/>
+              <a:t>_ Shorthand for complex128</a:t>
+            </a:r>
+          </a:p>
+          <a:p>
+            <a:pPr marL="0" marR="0" lvl="0" indent="0" algn="l" defTabSz="914400" rtl="0" eaLnBrk="1" fontAlgn="auto" latinLnBrk="0" hangingPunct="1">
+              <a:lnSpc>
+                <a:spcPct val="100000"/>
+              </a:lnSpc>
+              <a:spcBef>
+                <a:spcPts val="0"/>
+              </a:spcBef>
+              <a:spcAft>
+                <a:spcPts val="0"/>
+              </a:spcAft>
+              <a:buClrTx/>
+              <a:buSzTx/>
+              <a:buFontTx/>
+              <a:buNone/>
+              <a:tabLst/>
+              <a:defRPr/>
+            </a:pPr>
+            <a:endParaRPr lang="en-US" sz="8000" dirty="0"/>
+          </a:p>
+          <a:p>
+            <a:pPr marL="0" marR="0" lvl="0" indent="0" algn="l" defTabSz="914400" rtl="0" eaLnBrk="1" fontAlgn="auto" latinLnBrk="0" hangingPunct="1">
+              <a:lnSpc>
+                <a:spcPct val="100000"/>
+              </a:lnSpc>
+              <a:spcBef>
+                <a:spcPts val="0"/>
+              </a:spcBef>
+              <a:spcAft>
+                <a:spcPts val="0"/>
+              </a:spcAft>
+              <a:buClrTx/>
+              <a:buSzTx/>
+              <a:buFontTx/>
+              <a:buNone/>
+              <a:tabLst/>
+              <a:defRPr/>
+            </a:pPr>
+            <a:r>
+              <a:rPr lang="en-US" sz="8000" dirty="0" err="1"/>
+              <a:t>Seguir</a:t>
+            </a:r>
+            <a:r>
+              <a:rPr lang="en-US" sz="8000" dirty="0"/>
+              <a:t> notebooks con </a:t>
+            </a:r>
+            <a:r>
+              <a:rPr lang="en-US" sz="8000" dirty="0" err="1"/>
+              <a:t>tipos</a:t>
+            </a:r>
+            <a:r>
+              <a:rPr lang="en-US" sz="8000" dirty="0"/>
+              <a:t> hasta antes de Axis</a:t>
+            </a:r>
             <a:endParaRPr lang="es-ES" sz="6000" dirty="0"/>
           </a:p>
         </p:txBody>
@@ -1007,7 +1490,7 @@
           <a:p>
             <a:fld id="{10A8952F-1C0B-F641-899D-BA69BEE8A7E7}" type="slidenum">
               <a:rPr lang="es-ES_tradnl" smtClean="0"/>
-              <a:t>8</a:t>
+              <a:t>7</a:t>
             </a:fld>
             <a:endParaRPr lang="es-ES_tradnl"/>
           </a:p>
@@ -1016,7 +1499,7 @@
     </p:spTree>
     <p:extLst>
       <p:ext uri="{BB962C8B-B14F-4D97-AF65-F5344CB8AC3E}">
-        <p14:creationId xmlns:p14="http://schemas.microsoft.com/office/powerpoint/2010/main" val="648427392"/>
+        <p14:creationId xmlns:p14="http://schemas.microsoft.com/office/powerpoint/2010/main" val="903717674"/>
       </p:ext>
     </p:extLst>
   </p:cSld>
@@ -1106,28 +1589,21 @@
               <a:defRPr/>
             </a:pPr>
             <a:r>
-              <a:rPr lang="es-ES" sz="6000" dirty="0"/>
-              <a:t>Ir a la notebook 6</a:t>
-            </a:r>
-          </a:p>
-          <a:p>
-            <a:pPr marL="0" marR="0" lvl="0" indent="0" algn="l" defTabSz="914400" rtl="0" eaLnBrk="1" fontAlgn="auto" latinLnBrk="0" hangingPunct="1">
-              <a:lnSpc>
-                <a:spcPct val="100000"/>
-              </a:lnSpc>
-              <a:spcBef>
-                <a:spcPts val="0"/>
-              </a:spcBef>
-              <a:spcAft>
-                <a:spcPts val="0"/>
-              </a:spcAft>
-              <a:buClrTx/>
-              <a:buSzTx/>
-              <a:buFontTx/>
-              <a:buNone/>
-              <a:tabLst/>
-              <a:defRPr/>
-            </a:pPr>
+              <a:rPr lang="en-US" sz="8000" dirty="0" err="1"/>
+              <a:t>Seguri</a:t>
+            </a:r>
+            <a:r>
+              <a:rPr lang="en-US" sz="8000" dirty="0"/>
+              <a:t> </a:t>
+            </a:r>
+            <a:r>
+              <a:rPr lang="en-US" sz="8000" dirty="0" err="1"/>
+              <a:t>en</a:t>
+            </a:r>
+            <a:r>
+              <a:rPr lang="en-US" sz="8000" dirty="0"/>
+              <a:t> notebooks de axis </a:t>
+            </a:r>
             <a:endParaRPr lang="es-ES" sz="6000" dirty="0"/>
           </a:p>
         </p:txBody>
@@ -1155,7 +1631,7 @@
           <a:p>
             <a:fld id="{10A8952F-1C0B-F641-899D-BA69BEE8A7E7}" type="slidenum">
               <a:rPr lang="es-ES_tradnl" smtClean="0"/>
-              <a:t>10</a:t>
+              <a:t>8</a:t>
             </a:fld>
             <a:endParaRPr lang="es-ES_tradnl"/>
           </a:p>
@@ -1164,7 +1640,7 @@
     </p:spTree>
     <p:extLst>
       <p:ext uri="{BB962C8B-B14F-4D97-AF65-F5344CB8AC3E}">
-        <p14:creationId xmlns:p14="http://schemas.microsoft.com/office/powerpoint/2010/main" val="1438797672"/>
+        <p14:creationId xmlns:p14="http://schemas.microsoft.com/office/powerpoint/2010/main" val="747807874"/>
       </p:ext>
     </p:extLst>
   </p:cSld>
@@ -1255,7 +1731,7 @@
             </a:pPr>
             <a:r>
               <a:rPr lang="es-ES" sz="6000" dirty="0"/>
-              <a:t>Ir a la notebook 7 y 8</a:t>
+              <a:t>Ir a la notebook 4</a:t>
             </a:r>
           </a:p>
           <a:p>
@@ -1303,7 +1779,7 @@
           <a:p>
             <a:fld id="{10A8952F-1C0B-F641-899D-BA69BEE8A7E7}" type="slidenum">
               <a:rPr lang="es-ES_tradnl" smtClean="0"/>
-              <a:t>12</a:t>
+              <a:t>10</a:t>
             </a:fld>
             <a:endParaRPr lang="es-ES_tradnl"/>
           </a:p>
@@ -1312,7 +1788,7 @@
     </p:spTree>
     <p:extLst>
       <p:ext uri="{BB962C8B-B14F-4D97-AF65-F5344CB8AC3E}">
-        <p14:creationId xmlns:p14="http://schemas.microsoft.com/office/powerpoint/2010/main" val="1279810643"/>
+        <p14:creationId xmlns:p14="http://schemas.microsoft.com/office/powerpoint/2010/main" val="1249979759"/>
       </p:ext>
     </p:extLst>
   </p:cSld>
@@ -1403,7 +1879,7 @@
             </a:pPr>
             <a:r>
               <a:rPr lang="es-ES" sz="6000" dirty="0"/>
-              <a:t>Ir a la notebook 9, 10 y 11</a:t>
+              <a:t>Ir a la notebook 5</a:t>
             </a:r>
           </a:p>
           <a:p>
@@ -1451,7 +1927,7 @@
           <a:p>
             <a:fld id="{10A8952F-1C0B-F641-899D-BA69BEE8A7E7}" type="slidenum">
               <a:rPr lang="es-ES_tradnl" smtClean="0"/>
-              <a:t>14</a:t>
+              <a:t>12</a:t>
             </a:fld>
             <a:endParaRPr lang="es-ES_tradnl"/>
           </a:p>
@@ -1460,7 +1936,7 @@
     </p:spTree>
     <p:extLst>
       <p:ext uri="{BB962C8B-B14F-4D97-AF65-F5344CB8AC3E}">
-        <p14:creationId xmlns:p14="http://schemas.microsoft.com/office/powerpoint/2010/main" val="895706029"/>
+        <p14:creationId xmlns:p14="http://schemas.microsoft.com/office/powerpoint/2010/main" val="648427392"/>
       </p:ext>
     </p:extLst>
   </p:cSld>
@@ -1551,7 +2027,7 @@
             </a:pPr>
             <a:r>
               <a:rPr lang="es-ES" sz="6000" dirty="0"/>
-              <a:t>Ir a la notebook 9, 10 y 11</a:t>
+              <a:t>Ir a la notebook 6</a:t>
             </a:r>
           </a:p>
           <a:p>
@@ -1599,7 +2075,7 @@
           <a:p>
             <a:fld id="{10A8952F-1C0B-F641-899D-BA69BEE8A7E7}" type="slidenum">
               <a:rPr lang="es-ES_tradnl" smtClean="0"/>
-              <a:t>15</a:t>
+              <a:t>14</a:t>
             </a:fld>
             <a:endParaRPr lang="es-ES_tradnl"/>
           </a:p>
@@ -1608,7 +2084,155 @@
     </p:spTree>
     <p:extLst>
       <p:ext uri="{BB962C8B-B14F-4D97-AF65-F5344CB8AC3E}">
-        <p14:creationId xmlns:p14="http://schemas.microsoft.com/office/powerpoint/2010/main" val="1788435820"/>
+        <p14:creationId xmlns:p14="http://schemas.microsoft.com/office/powerpoint/2010/main" val="1438797672"/>
+      </p:ext>
+    </p:extLst>
+  </p:cSld>
+  <p:clrMapOvr>
+    <a:masterClrMapping/>
+  </p:clrMapOvr>
+</p:notes>
+</file>
+
+<file path=ppt/notesSlides/notesSlide9.xml><?xml version="1.0" encoding="utf-8"?>
+<p:notes xmlns:a="http://schemas.openxmlformats.org/drawingml/2006/main" xmlns:r="http://schemas.openxmlformats.org/officeDocument/2006/relationships" xmlns:p="http://schemas.openxmlformats.org/presentationml/2006/main">
+  <p:cSld>
+    <p:spTree>
+      <p:nvGrpSpPr>
+        <p:cNvPr id="1" name="">
+          <a:extLst>
+            <a:ext uri="{FF2B5EF4-FFF2-40B4-BE49-F238E27FC236}">
+              <a16:creationId xmlns:a16="http://schemas.microsoft.com/office/drawing/2014/main" id="{9E4D20A7-2319-9384-BA99-26DB983F55F3}"/>
+            </a:ext>
+          </a:extLst>
+        </p:cNvPr>
+        <p:cNvGrpSpPr/>
+        <p:nvPr/>
+      </p:nvGrpSpPr>
+      <p:grpSpPr>
+        <a:xfrm>
+          <a:off x="0" y="0"/>
+          <a:ext cx="0" cy="0"/>
+          <a:chOff x="0" y="0"/>
+          <a:chExt cx="0" cy="0"/>
+        </a:xfrm>
+      </p:grpSpPr>
+      <p:sp>
+        <p:nvSpPr>
+          <p:cNvPr id="2" name="Slide Image Placeholder 1">
+            <a:extLst>
+              <a:ext uri="{FF2B5EF4-FFF2-40B4-BE49-F238E27FC236}">
+                <a16:creationId xmlns:a16="http://schemas.microsoft.com/office/drawing/2014/main" id="{0616CE51-8E59-1842-2104-C7C8A47CDFC5}"/>
+              </a:ext>
+            </a:extLst>
+          </p:cNvPr>
+          <p:cNvSpPr>
+            <a:spLocks noGrp="1" noRot="1" noChangeAspect="1"/>
+          </p:cNvSpPr>
+          <p:nvPr>
+            <p:ph type="sldImg"/>
+          </p:nvPr>
+        </p:nvSpPr>
+        <p:spPr/>
+      </p:sp>
+      <p:sp>
+        <p:nvSpPr>
+          <p:cNvPr id="3" name="Notes Placeholder 2">
+            <a:extLst>
+              <a:ext uri="{FF2B5EF4-FFF2-40B4-BE49-F238E27FC236}">
+                <a16:creationId xmlns:a16="http://schemas.microsoft.com/office/drawing/2014/main" id="{F6DED9D3-2118-1351-1352-65E3A9CDCB23}"/>
+              </a:ext>
+            </a:extLst>
+          </p:cNvPr>
+          <p:cNvSpPr>
+            <a:spLocks noGrp="1"/>
+          </p:cNvSpPr>
+          <p:nvPr>
+            <p:ph type="body" idx="1"/>
+          </p:nvPr>
+        </p:nvSpPr>
+        <p:spPr/>
+        <p:txBody>
+          <a:bodyPr/>
+          <a:lstStyle/>
+          <a:p>
+            <a:pPr marL="0" marR="0" lvl="0" indent="0" algn="l" defTabSz="914400" rtl="0" eaLnBrk="1" fontAlgn="auto" latinLnBrk="0" hangingPunct="1">
+              <a:lnSpc>
+                <a:spcPct val="100000"/>
+              </a:lnSpc>
+              <a:spcBef>
+                <a:spcPts val="0"/>
+              </a:spcBef>
+              <a:spcAft>
+                <a:spcPts val="0"/>
+              </a:spcAft>
+              <a:buClrTx/>
+              <a:buSzTx/>
+              <a:buFontTx/>
+              <a:buNone/>
+              <a:tabLst/>
+              <a:defRPr/>
+            </a:pPr>
+            <a:r>
+              <a:rPr lang="es-ES" sz="6000" dirty="0"/>
+              <a:t>Ir a la notebook 7 y 8</a:t>
+            </a:r>
+          </a:p>
+          <a:p>
+            <a:pPr marL="0" marR="0" lvl="0" indent="0" algn="l" defTabSz="914400" rtl="0" eaLnBrk="1" fontAlgn="auto" latinLnBrk="0" hangingPunct="1">
+              <a:lnSpc>
+                <a:spcPct val="100000"/>
+              </a:lnSpc>
+              <a:spcBef>
+                <a:spcPts val="0"/>
+              </a:spcBef>
+              <a:spcAft>
+                <a:spcPts val="0"/>
+              </a:spcAft>
+              <a:buClrTx/>
+              <a:buSzTx/>
+              <a:buFontTx/>
+              <a:buNone/>
+              <a:tabLst/>
+              <a:defRPr/>
+            </a:pPr>
+            <a:endParaRPr lang="es-ES" sz="6000" dirty="0"/>
+          </a:p>
+        </p:txBody>
+      </p:sp>
+      <p:sp>
+        <p:nvSpPr>
+          <p:cNvPr id="4" name="Slide Number Placeholder 3">
+            <a:extLst>
+              <a:ext uri="{FF2B5EF4-FFF2-40B4-BE49-F238E27FC236}">
+                <a16:creationId xmlns:a16="http://schemas.microsoft.com/office/drawing/2014/main" id="{E5B1E8C2-C7D1-89B0-EC3B-5673B2C9D95B}"/>
+              </a:ext>
+            </a:extLst>
+          </p:cNvPr>
+          <p:cNvSpPr>
+            <a:spLocks noGrp="1"/>
+          </p:cNvSpPr>
+          <p:nvPr>
+            <p:ph type="sldNum" sz="quarter" idx="5"/>
+          </p:nvPr>
+        </p:nvSpPr>
+        <p:spPr/>
+        <p:txBody>
+          <a:bodyPr/>
+          <a:lstStyle/>
+          <a:p>
+            <a:fld id="{10A8952F-1C0B-F641-899D-BA69BEE8A7E7}" type="slidenum">
+              <a:rPr lang="es-ES_tradnl" smtClean="0"/>
+              <a:t>16</a:t>
+            </a:fld>
+            <a:endParaRPr lang="es-ES_tradnl"/>
+          </a:p>
+        </p:txBody>
+      </p:sp>
+    </p:spTree>
+    <p:extLst>
+      <p:ext uri="{BB962C8B-B14F-4D97-AF65-F5344CB8AC3E}">
+        <p14:creationId xmlns:p14="http://schemas.microsoft.com/office/powerpoint/2010/main" val="1279810643"/>
       </p:ext>
     </p:extLst>
   </p:cSld>
@@ -1771,7 +2395,7 @@
           <a:p>
             <a:fld id="{BBCD4F60-3B00-4DB4-90A4-67F8107A0900}" type="datetime1">
               <a:rPr lang="en-US" smtClean="0"/>
-              <a:t>6/21/24</a:t>
+              <a:t>7/7/24</a:t>
             </a:fld>
             <a:endParaRPr lang="en-US"/>
           </a:p>
@@ -1972,7 +2596,7 @@
           <a:p>
             <a:fld id="{E5C12018-AE0B-45B3-8833-1C61B747ADFD}" type="datetime1">
               <a:rPr lang="en-US" smtClean="0"/>
-              <a:t>6/21/24</a:t>
+              <a:t>7/7/24</a:t>
             </a:fld>
             <a:endParaRPr lang="en-US"/>
           </a:p>
@@ -2185,7 +2809,7 @@
           <a:p>
             <a:fld id="{BC874D72-DF44-407D-AEE5-0273DD00D922}" type="datetime1">
               <a:rPr lang="en-US" smtClean="0"/>
-              <a:t>6/21/24</a:t>
+              <a:t>7/7/24</a:t>
             </a:fld>
             <a:endParaRPr lang="en-US"/>
           </a:p>
@@ -2386,7 +3010,7 @@
           <a:p>
             <a:fld id="{626DE685-1B6F-4D7C-AEF2-C9AD71EC467A}" type="datetime1">
               <a:rPr lang="en-US" smtClean="0"/>
-              <a:t>6/21/24</a:t>
+              <a:t>7/7/24</a:t>
             </a:fld>
             <a:endParaRPr lang="en-US"/>
           </a:p>
@@ -2665,7 +3289,7 @@
           <a:p>
             <a:fld id="{66E20BAB-D1DB-4DC1-908A-9B5E73715905}" type="datetime1">
               <a:rPr lang="en-US" smtClean="0"/>
-              <a:t>6/21/24</a:t>
+              <a:t>7/7/24</a:t>
             </a:fld>
             <a:endParaRPr lang="en-US"/>
           </a:p>
@@ -2940,7 +3564,7 @@
           <a:p>
             <a:fld id="{82D2DD5A-C337-4F22-BED0-547AFC68CFD6}" type="datetime1">
               <a:rPr lang="en-US" smtClean="0"/>
-              <a:t>6/21/24</a:t>
+              <a:t>7/7/24</a:t>
             </a:fld>
             <a:endParaRPr lang="en-US"/>
           </a:p>
@@ -3365,7 +3989,7 @@
           <a:p>
             <a:fld id="{FA38DFBF-4DB8-447F-A740-22B1B0F7DDD8}" type="datetime1">
               <a:rPr lang="en-US" smtClean="0"/>
-              <a:t>6/21/24</a:t>
+              <a:t>7/7/24</a:t>
             </a:fld>
             <a:endParaRPr lang="en-US"/>
           </a:p>
@@ -3510,7 +4134,7 @@
           <a:p>
             <a:fld id="{88812435-B87A-4434-B86A-1406D5D81959}" type="datetime1">
               <a:rPr lang="en-US" smtClean="0"/>
-              <a:t>6/21/24</a:t>
+              <a:t>7/7/24</a:t>
             </a:fld>
             <a:endParaRPr lang="en-US"/>
           </a:p>
@@ -3626,7 +4250,7 @@
           <a:p>
             <a:fld id="{F3B850E0-9242-469C-9FA7-447D7E43FF29}" type="datetime1">
               <a:rPr lang="en-US" smtClean="0"/>
-              <a:t>6/21/24</a:t>
+              <a:t>7/7/24</a:t>
             </a:fld>
             <a:endParaRPr lang="en-US"/>
           </a:p>
@@ -3941,7 +4565,7 @@
           <a:p>
             <a:fld id="{CA9184C1-634B-4D2F-90E1-C39B48114444}" type="datetime1">
               <a:rPr lang="en-US" smtClean="0"/>
-              <a:t>6/21/24</a:t>
+              <a:t>7/7/24</a:t>
             </a:fld>
             <a:endParaRPr lang="en-US"/>
           </a:p>
@@ -4237,7 +4861,7 @@
           <a:p>
             <a:fld id="{602A4FC1-9CCD-4E4B-AB4D-5CAEC19C950B}" type="datetime1">
               <a:rPr lang="en-US" smtClean="0"/>
-              <a:t>6/21/24</a:t>
+              <a:t>7/7/24</a:t>
             </a:fld>
             <a:endParaRPr lang="en-US"/>
           </a:p>
@@ -4480,7 +5104,7 @@
           <a:p>
             <a:fld id="{FBA78304-8938-479D-8111-AA943458A814}" type="datetime1">
               <a:rPr lang="en-US" smtClean="0"/>
-              <a:t>6/21/24</a:t>
+              <a:t>7/7/24</a:t>
             </a:fld>
             <a:endParaRPr lang="en-US"/>
           </a:p>
@@ -5281,7 +5905,23 @@
                   <a:srgbClr val="FFFFFF"/>
                 </a:solidFill>
               </a:rPr>
-              <a:t>Manejo de datos con Pandas</a:t>
+              <a:t>Manejo de datos con </a:t>
+            </a:r>
+            <a:r>
+              <a:rPr lang="es-ES_tradnl" dirty="0" err="1">
+                <a:solidFill>
+                  <a:srgbClr val="FFFFFF"/>
+                </a:solidFill>
+              </a:rPr>
+              <a:t>Numpy</a:t>
+            </a:r>
+            <a:r>
+              <a:rPr lang="es-ES_tradnl" dirty="0">
+                <a:solidFill>
+                  <a:srgbClr val="FFFFFF"/>
+                </a:solidFill>
+              </a:rPr>
+              <a:t> y Pandas</a:t>
             </a:r>
           </a:p>
         </p:txBody>
@@ -5456,7 +6096,7 @@
           <a:p>
             <a:r>
               <a:rPr lang="es-ES_tradnl" dirty="0"/>
-              <a:t>Combinando datos</a:t>
+              <a:t>Estructuras de datos de Pandas</a:t>
             </a:r>
           </a:p>
         </p:txBody>
@@ -5485,6 +6125,1288 @@
             <a:fld id="{87E7843D-FF13-4365-9478-9625B70A2705}" type="slidenum">
               <a:rPr lang="en-US" smtClean="0"/>
               <a:t>10</a:t>
+            </a:fld>
+            <a:endParaRPr lang="en-US"/>
+          </a:p>
+        </p:txBody>
+      </p:sp>
+      <p:sp>
+        <p:nvSpPr>
+          <p:cNvPr id="4" name="Content Placeholder 3">
+            <a:extLst>
+              <a:ext uri="{FF2B5EF4-FFF2-40B4-BE49-F238E27FC236}">
+                <a16:creationId xmlns:a16="http://schemas.microsoft.com/office/drawing/2014/main" id="{3C2FD977-49FE-F434-2742-D341835B5FD1}"/>
+              </a:ext>
+            </a:extLst>
+          </p:cNvPr>
+          <p:cNvSpPr>
+            <a:spLocks noGrp="1"/>
+          </p:cNvSpPr>
+          <p:nvPr>
+            <p:ph idx="1"/>
+          </p:nvPr>
+        </p:nvSpPr>
+        <p:spPr>
+          <a:xfrm>
+            <a:off x="700636" y="1672046"/>
+            <a:ext cx="10691264" cy="4257168"/>
+          </a:xfrm>
+        </p:spPr>
+        <p:txBody>
+          <a:bodyPr>
+            <a:normAutofit/>
+          </a:bodyPr>
+          <a:lstStyle/>
+          <a:p>
+            <a:pPr marL="0" indent="0">
+              <a:buNone/>
+            </a:pPr>
+            <a:r>
+              <a:rPr lang="es-ES" dirty="0"/>
+              <a:t>A un nivel muy básico, los objetos de </a:t>
+            </a:r>
+            <a:r>
+              <a:rPr lang="es-ES" b="1" dirty="0">
+                <a:hlinkClick r:id="rId3"/>
+              </a:rPr>
+              <a:t>Pandas</a:t>
+            </a:r>
+            <a:r>
+              <a:rPr lang="es-ES" dirty="0"/>
+              <a:t> son una versión mejorada de las estructuras de </a:t>
+            </a:r>
+            <a:r>
+              <a:rPr lang="es-ES" dirty="0" err="1"/>
+              <a:t>NumPy</a:t>
+            </a:r>
+            <a:r>
+              <a:rPr lang="es-ES" dirty="0"/>
+              <a:t> en los cuales las filas y columnas se identifican con etiquetas. </a:t>
+            </a:r>
+          </a:p>
+          <a:p>
+            <a:pPr marL="0" indent="0">
+              <a:buNone/>
+            </a:pPr>
+            <a:r>
+              <a:rPr lang="es-ES" dirty="0"/>
+              <a:t>Tiene dos estructuras fundamentales:</a:t>
+            </a:r>
+          </a:p>
+          <a:p>
+            <a:r>
+              <a:rPr lang="es-ES" dirty="0"/>
+              <a:t>Series: Una serie de Pandas es un array </a:t>
+            </a:r>
+            <a:r>
+              <a:rPr lang="es-ES" dirty="0" err="1"/>
+              <a:t>uni</a:t>
+            </a:r>
+            <a:r>
+              <a:rPr lang="es-ES" dirty="0"/>
+              <a:t>-dimensional de datos indexados.</a:t>
+            </a:r>
+          </a:p>
+          <a:p>
+            <a:r>
+              <a:rPr lang="es-ES" dirty="0" err="1"/>
+              <a:t>DataFrame</a:t>
+            </a:r>
+            <a:r>
+              <a:rPr lang="es-ES" dirty="0"/>
+              <a:t>: Es análogo a un array de dos dimensiones con índices de filas y nombres de columnas. Un </a:t>
+            </a:r>
+            <a:r>
+              <a:rPr lang="es-ES" dirty="0" err="1"/>
+              <a:t>DataFrame</a:t>
+            </a:r>
+            <a:r>
+              <a:rPr lang="es-ES" dirty="0"/>
+              <a:t> se forma con una Serie para cada columna.</a:t>
+            </a:r>
+          </a:p>
+          <a:p>
+            <a:pPr marL="0" indent="0">
+              <a:buNone/>
+            </a:pPr>
+            <a:endParaRPr lang="es-ES" dirty="0"/>
+          </a:p>
+          <a:p>
+            <a:pPr marL="0" indent="0">
+              <a:buNone/>
+            </a:pPr>
+            <a:endParaRPr lang="es-ES" dirty="0"/>
+          </a:p>
+          <a:p>
+            <a:pPr marL="0" indent="0">
+              <a:buNone/>
+            </a:pPr>
+            <a:endParaRPr lang="es-ES" sz="1600" dirty="0"/>
+          </a:p>
+        </p:txBody>
+      </p:sp>
+      <p:sp>
+        <p:nvSpPr>
+          <p:cNvPr id="3" name="Footer Placeholder 4">
+            <a:extLst>
+              <a:ext uri="{FF2B5EF4-FFF2-40B4-BE49-F238E27FC236}">
+                <a16:creationId xmlns:a16="http://schemas.microsoft.com/office/drawing/2014/main" id="{C73F7C93-E4E8-E8F7-B488-FA4C35AC8ECE}"/>
+              </a:ext>
+            </a:extLst>
+          </p:cNvPr>
+          <p:cNvSpPr>
+            <a:spLocks noGrp="1"/>
+          </p:cNvSpPr>
+          <p:nvPr>
+            <p:ph type="ftr" sz="quarter" idx="11"/>
+          </p:nvPr>
+        </p:nvSpPr>
+        <p:spPr>
+          <a:xfrm>
+            <a:off x="715383" y="6356350"/>
+            <a:ext cx="4539727" cy="365125"/>
+          </a:xfrm>
+        </p:spPr>
+        <p:txBody>
+          <a:bodyPr>
+            <a:normAutofit/>
+          </a:bodyPr>
+          <a:lstStyle/>
+          <a:p>
+            <a:pPr>
+              <a:spcAft>
+                <a:spcPts val="600"/>
+              </a:spcAft>
+            </a:pPr>
+            <a:r>
+              <a:rPr lang="es-ES_tradnl" dirty="0"/>
+              <a:t>Aprendizaje Automático – </a:t>
+            </a:r>
+            <a:r>
+              <a:rPr lang="es-ES_tradnl" dirty="0" err="1"/>
+              <a:t>CEIoT</a:t>
+            </a:r>
+            <a:r>
+              <a:rPr lang="es-ES_tradnl" dirty="0"/>
+              <a:t> – FIUBA</a:t>
+            </a:r>
+          </a:p>
+        </p:txBody>
+      </p:sp>
+    </p:spTree>
+    <p:extLst>
+      <p:ext uri="{BB962C8B-B14F-4D97-AF65-F5344CB8AC3E}">
+        <p14:creationId xmlns:p14="http://schemas.microsoft.com/office/powerpoint/2010/main" val="3612179236"/>
+      </p:ext>
+    </p:extLst>
+  </p:cSld>
+  <p:clrMapOvr>
+    <a:masterClrMapping/>
+  </p:clrMapOvr>
+</p:sld>
+</file>
+
+<file path=ppt/slides/slide11.xml><?xml version="1.0" encoding="utf-8"?>
+<p:sld xmlns:a="http://schemas.openxmlformats.org/drawingml/2006/main" xmlns:r="http://schemas.openxmlformats.org/officeDocument/2006/relationships" xmlns:p="http://schemas.openxmlformats.org/presentationml/2006/main">
+  <p:cSld>
+    <p:bg>
+      <p:bgPr>
+        <a:solidFill>
+          <a:schemeClr val="bg1"/>
+        </a:solidFill>
+        <a:effectLst/>
+      </p:bgPr>
+    </p:bg>
+    <p:spTree>
+      <p:nvGrpSpPr>
+        <p:cNvPr id="1" name="">
+          <a:extLst>
+            <a:ext uri="{FF2B5EF4-FFF2-40B4-BE49-F238E27FC236}">
+              <a16:creationId xmlns:a16="http://schemas.microsoft.com/office/drawing/2014/main" id="{F94BECB4-F27B-1CC7-39C4-7E93D59BFB2D}"/>
+            </a:ext>
+          </a:extLst>
+        </p:cNvPr>
+        <p:cNvGrpSpPr/>
+        <p:nvPr/>
+      </p:nvGrpSpPr>
+      <p:grpSpPr>
+        <a:xfrm>
+          <a:off x="0" y="0"/>
+          <a:ext cx="0" cy="0"/>
+          <a:chOff x="0" y="0"/>
+          <a:chExt cx="0" cy="0"/>
+        </a:xfrm>
+      </p:grpSpPr>
+      <p:sp useBgFill="1">
+        <p:nvSpPr>
+          <p:cNvPr id="9" name="Rectangle 8">
+            <a:extLst>
+              <a:ext uri="{FF2B5EF4-FFF2-40B4-BE49-F238E27FC236}">
+                <a16:creationId xmlns:a16="http://schemas.microsoft.com/office/drawing/2014/main" id="{33E93247-6229-44AB-A550-739E971E690B}"/>
+              </a:ext>
+              <a:ext uri="{C183D7F6-B498-43B3-948B-1728B52AA6E4}">
+                <adec:decorative xmlns:adec="http://schemas.microsoft.com/office/drawing/2017/decorative" val="1"/>
+              </a:ext>
+            </a:extLst>
+          </p:cNvPr>
+          <p:cNvSpPr>
+            <a:spLocks noGrp="1" noRot="1" noChangeAspect="1" noMove="1" noResize="1" noEditPoints="1" noAdjustHandles="1" noChangeArrowheads="1" noChangeShapeType="1" noTextEdit="1"/>
+          </p:cNvSpPr>
+          <p:nvPr>
+            <p:extLst>
+              <p:ext uri="{386F3935-93C4-4BCD-93E2-E3B085C9AB24}">
+                <p16:designElem xmlns:p16="http://schemas.microsoft.com/office/powerpoint/2015/main" val="1"/>
+              </p:ext>
+            </p:extLst>
+          </p:nvPr>
+        </p:nvSpPr>
+        <p:spPr>
+          <a:xfrm>
+            <a:off x="0" y="0"/>
+            <a:ext cx="12192000" cy="6858000"/>
+          </a:xfrm>
+          <a:prstGeom prst="rect">
+            <a:avLst/>
+          </a:prstGeom>
+          <a:ln w="12700" cap="flat" cmpd="sng" algn="ctr">
+            <a:noFill/>
+            <a:prstDash val="solid"/>
+            <a:miter lim="800000"/>
+          </a:ln>
+          <a:effectLst/>
+          <a:extLst>
+            <a:ext uri="{91240B29-F687-4F45-9708-019B960494DF}">
+              <a14:hiddenLine xmlns:a14="http://schemas.microsoft.com/office/drawing/2010/main" w="12700" cap="flat" cmpd="sng" algn="ctr">
+                <a:solidFill>
+                  <a:schemeClr val="accent1">
+                    <a:shade val="50000"/>
+                  </a:schemeClr>
+                </a:solidFill>
+                <a:prstDash val="solid"/>
+                <a:miter lim="800000"/>
+              </a14:hiddenLine>
+            </a:ext>
+          </a:extLst>
+        </p:spPr>
+        <p:style>
+          <a:lnRef idx="2">
+            <a:schemeClr val="accent1">
+              <a:shade val="50000"/>
+            </a:schemeClr>
+          </a:lnRef>
+          <a:fillRef idx="1">
+            <a:schemeClr val="accent1"/>
+          </a:fillRef>
+          <a:effectRef idx="0">
+            <a:schemeClr val="accent1"/>
+          </a:effectRef>
+          <a:fontRef idx="minor">
+            <a:schemeClr val="lt1"/>
+          </a:fontRef>
+        </p:style>
+        <p:txBody>
+          <a:bodyPr rtlCol="0" anchor="ctr"/>
+          <a:lstStyle/>
+          <a:p>
+            <a:pPr algn="ctr"/>
+            <a:endParaRPr lang="en-US"/>
+          </a:p>
+        </p:txBody>
+      </p:sp>
+      <p:sp>
+        <p:nvSpPr>
+          <p:cNvPr id="11" name="Rectangle 10">
+            <a:extLst>
+              <a:ext uri="{FF2B5EF4-FFF2-40B4-BE49-F238E27FC236}">
+                <a16:creationId xmlns:a16="http://schemas.microsoft.com/office/drawing/2014/main" id="{BC30665E-D592-446F-98EB-15F172A22697}"/>
+              </a:ext>
+              <a:ext uri="{C183D7F6-B498-43B3-948B-1728B52AA6E4}">
+                <adec:decorative xmlns:adec="http://schemas.microsoft.com/office/drawing/2017/decorative" val="1"/>
+              </a:ext>
+            </a:extLst>
+          </p:cNvPr>
+          <p:cNvSpPr>
+            <a:spLocks noGrp="1" noRot="1" noChangeAspect="1" noMove="1" noResize="1" noEditPoints="1" noAdjustHandles="1" noChangeArrowheads="1" noChangeShapeType="1" noTextEdit="1"/>
+          </p:cNvSpPr>
+          <p:nvPr>
+            <p:extLst>
+              <p:ext uri="{386F3935-93C4-4BCD-93E2-E3B085C9AB24}">
+                <p16:designElem xmlns:p16="http://schemas.microsoft.com/office/powerpoint/2015/main" val="1"/>
+              </p:ext>
+            </p:extLst>
+          </p:nvPr>
+        </p:nvSpPr>
+        <p:spPr>
+          <a:xfrm>
+            <a:off x="0" y="0"/>
+            <a:ext cx="12192000" cy="6858000"/>
+          </a:xfrm>
+          <a:prstGeom prst="rect">
+            <a:avLst/>
+          </a:prstGeom>
+          <a:solidFill>
+            <a:schemeClr val="tx1"/>
+          </a:solidFill>
+          <a:ln w="12700" cap="flat" cmpd="sng" algn="ctr">
+            <a:noFill/>
+            <a:prstDash val="solid"/>
+            <a:miter lim="800000"/>
+          </a:ln>
+          <a:effectLst/>
+        </p:spPr>
+        <p:style>
+          <a:lnRef idx="2">
+            <a:schemeClr val="accent1">
+              <a:shade val="50000"/>
+            </a:schemeClr>
+          </a:lnRef>
+          <a:fillRef idx="1">
+            <a:schemeClr val="accent1"/>
+          </a:fillRef>
+          <a:effectRef idx="0">
+            <a:schemeClr val="accent1"/>
+          </a:effectRef>
+          <a:fontRef idx="minor">
+            <a:schemeClr val="lt1"/>
+          </a:fontRef>
+        </p:style>
+        <p:txBody>
+          <a:bodyPr rtlCol="0" anchor="ctr"/>
+          <a:lstStyle/>
+          <a:p>
+            <a:pPr algn="ctr"/>
+            <a:endParaRPr lang="en-US"/>
+          </a:p>
+        </p:txBody>
+      </p:sp>
+      <p:cxnSp>
+        <p:nvCxnSpPr>
+          <p:cNvPr id="13" name="Straight Connector 12">
+            <a:extLst>
+              <a:ext uri="{FF2B5EF4-FFF2-40B4-BE49-F238E27FC236}">
+                <a16:creationId xmlns:a16="http://schemas.microsoft.com/office/drawing/2014/main" id="{EE2E603F-4A95-4FE8-BB06-211DFD75DBEF}"/>
+              </a:ext>
+              <a:ext uri="{C183D7F6-B498-43B3-948B-1728B52AA6E4}">
+                <adec:decorative xmlns:adec="http://schemas.microsoft.com/office/drawing/2017/decorative" val="1"/>
+              </a:ext>
+            </a:extLst>
+          </p:cNvPr>
+          <p:cNvCxnSpPr>
+            <a:cxnSpLocks noGrp="1" noRot="1" noChangeAspect="1" noMove="1" noResize="1" noEditPoints="1" noAdjustHandles="1" noChangeArrowheads="1" noChangeShapeType="1"/>
+          </p:cNvCxnSpPr>
+          <p:nvPr>
+            <p:extLst>
+              <p:ext uri="{386F3935-93C4-4BCD-93E2-E3B085C9AB24}">
+                <p16:designElem xmlns:p16="http://schemas.microsoft.com/office/powerpoint/2015/main" val="1"/>
+              </p:ext>
+            </p:extLst>
+          </p:nvPr>
+        </p:nvCxnSpPr>
+        <p:spPr>
+          <a:xfrm>
+            <a:off x="800100" y="4555080"/>
+            <a:ext cx="10591800" cy="0"/>
+          </a:xfrm>
+          <a:prstGeom prst="line">
+            <a:avLst/>
+          </a:prstGeom>
+          <a:ln w="44450">
+            <a:solidFill>
+              <a:schemeClr val="bg1"/>
+            </a:solidFill>
+          </a:ln>
+        </p:spPr>
+        <p:style>
+          <a:lnRef idx="1">
+            <a:schemeClr val="accent1"/>
+          </a:lnRef>
+          <a:fillRef idx="0">
+            <a:schemeClr val="accent1"/>
+          </a:fillRef>
+          <a:effectRef idx="0">
+            <a:schemeClr val="accent1"/>
+          </a:effectRef>
+          <a:fontRef idx="minor">
+            <a:schemeClr val="tx1"/>
+          </a:fontRef>
+        </p:style>
+      </p:cxnSp>
+      <p:sp>
+        <p:nvSpPr>
+          <p:cNvPr id="2" name="Title 1">
+            <a:extLst>
+              <a:ext uri="{FF2B5EF4-FFF2-40B4-BE49-F238E27FC236}">
+                <a16:creationId xmlns:a16="http://schemas.microsoft.com/office/drawing/2014/main" id="{AA098BD5-C827-C457-D003-604C728F26B0}"/>
+              </a:ext>
+            </a:extLst>
+          </p:cNvPr>
+          <p:cNvSpPr>
+            <a:spLocks noGrp="1"/>
+          </p:cNvSpPr>
+          <p:nvPr>
+            <p:ph type="ctrTitle"/>
+          </p:nvPr>
+        </p:nvSpPr>
+        <p:spPr>
+          <a:xfrm>
+            <a:off x="703400" y="4702835"/>
+            <a:ext cx="10801350" cy="978772"/>
+          </a:xfrm>
+        </p:spPr>
+        <p:txBody>
+          <a:bodyPr>
+            <a:normAutofit/>
+          </a:bodyPr>
+          <a:lstStyle/>
+          <a:p>
+            <a:r>
+              <a:rPr lang="es-ES_tradnl" dirty="0">
+                <a:solidFill>
+                  <a:schemeClr val="bg1"/>
+                </a:solidFill>
+              </a:rPr>
+              <a:t>Operando con Pandas</a:t>
+            </a:r>
+          </a:p>
+        </p:txBody>
+      </p:sp>
+      <p:pic>
+        <p:nvPicPr>
+          <p:cNvPr id="4" name="Picture 3" descr="Vector background of vibrant colors splashing">
+            <a:extLst>
+              <a:ext uri="{FF2B5EF4-FFF2-40B4-BE49-F238E27FC236}">
+                <a16:creationId xmlns:a16="http://schemas.microsoft.com/office/drawing/2014/main" id="{201C4C40-33AE-980F-4F65-F2AAF88182E6}"/>
+              </a:ext>
+            </a:extLst>
+          </p:cNvPr>
+          <p:cNvPicPr>
+            <a:picLocks noChangeAspect="1"/>
+          </p:cNvPicPr>
+          <p:nvPr/>
+        </p:nvPicPr>
+        <p:blipFill rotWithShape="1">
+          <a:blip r:embed="rId2"/>
+          <a:srcRect t="34398" r="2" b="17120"/>
+          <a:stretch/>
+        </p:blipFill>
+        <p:spPr>
+          <a:xfrm>
+            <a:off x="800100" y="712916"/>
+            <a:ext cx="10591800" cy="3491895"/>
+          </a:xfrm>
+          <a:prstGeom prst="rect">
+            <a:avLst/>
+          </a:prstGeom>
+        </p:spPr>
+      </p:pic>
+    </p:spTree>
+    <p:extLst>
+      <p:ext uri="{BB962C8B-B14F-4D97-AF65-F5344CB8AC3E}">
+        <p14:creationId xmlns:p14="http://schemas.microsoft.com/office/powerpoint/2010/main" val="1856895848"/>
+      </p:ext>
+    </p:extLst>
+  </p:cSld>
+  <p:clrMapOvr>
+    <a:masterClrMapping/>
+  </p:clrMapOvr>
+  <p:timing>
+    <p:tnLst>
+      <p:par>
+        <p:cTn id="1" dur="indefinite" restart="never" nodeType="tmRoot">
+          <p:childTnLst>
+            <p:seq concurrent="1" nextAc="seek">
+              <p:cTn id="2" dur="indefinite" nodeType="mainSeq">
+                <p:childTnLst>
+                  <p:par>
+                    <p:cTn id="3" fill="hold">
+                      <p:stCondLst>
+                        <p:cond delay="indefinite"/>
+                        <p:cond evt="onBegin" delay="0">
+                          <p:tn val="2"/>
+                        </p:cond>
+                      </p:stCondLst>
+                      <p:childTnLst>
+                        <p:par>
+                          <p:cTn id="4" fill="hold">
+                            <p:stCondLst>
+                              <p:cond delay="0"/>
+                            </p:stCondLst>
+                            <p:childTnLst>
+                              <p:par>
+                                <p:cTn id="5" presetID="10" presetClass="entr" presetSubtype="0" fill="hold" grpId="0" nodeType="withEffect">
+                                  <p:stCondLst>
+                                    <p:cond delay="1000"/>
+                                  </p:stCondLst>
+                                  <p:iterate type="lt">
+                                    <p:tmPct val="10000"/>
+                                  </p:iterate>
+                                  <p:childTnLst>
+                                    <p:set>
+                                      <p:cBhvr>
+                                        <p:cTn id="6" dur="1" fill="hold">
+                                          <p:stCondLst>
+                                            <p:cond delay="0"/>
+                                          </p:stCondLst>
+                                        </p:cTn>
+                                        <p:tgtEl>
+                                          <p:spTgt spid="2"/>
+                                        </p:tgtEl>
+                                        <p:attrNameLst>
+                                          <p:attrName>style.visibility</p:attrName>
+                                        </p:attrNameLst>
+                                      </p:cBhvr>
+                                      <p:to>
+                                        <p:strVal val="visible"/>
+                                      </p:to>
+                                    </p:set>
+                                    <p:animEffect transition="in" filter="fade">
+                                      <p:cBhvr>
+                                        <p:cTn id="7" dur="400"/>
+                                        <p:tgtEl>
+                                          <p:spTgt spid="2"/>
+                                        </p:tgtEl>
+                                      </p:cBhvr>
+                                    </p:animEffect>
+                                  </p:childTnLst>
+                                </p:cTn>
+                              </p:par>
+                            </p:childTnLst>
+                          </p:cTn>
+                        </p:par>
+                      </p:childTnLst>
+                    </p:cTn>
+                  </p:par>
+                </p:childTnLst>
+              </p:cTn>
+              <p:prevCondLst>
+                <p:cond evt="onPrev" delay="0">
+                  <p:tgtEl>
+                    <p:sldTgt/>
+                  </p:tgtEl>
+                </p:cond>
+              </p:prevCondLst>
+              <p:nextCondLst>
+                <p:cond evt="onNext" delay="0">
+                  <p:tgtEl>
+                    <p:sldTgt/>
+                  </p:tgtEl>
+                </p:cond>
+              </p:nextCondLst>
+            </p:seq>
+          </p:childTnLst>
+        </p:cTn>
+      </p:par>
+    </p:tnLst>
+    <p:bldLst>
+      <p:bldP spid="2" grpId="0"/>
+    </p:bldLst>
+  </p:timing>
+</p:sld>
+</file>
+
+<file path=ppt/slides/slide12.xml><?xml version="1.0" encoding="utf-8"?>
+<p:sld xmlns:a="http://schemas.openxmlformats.org/drawingml/2006/main" xmlns:r="http://schemas.openxmlformats.org/officeDocument/2006/relationships" xmlns:p="http://schemas.openxmlformats.org/presentationml/2006/main">
+  <p:cSld>
+    <p:spTree>
+      <p:nvGrpSpPr>
+        <p:cNvPr id="1" name="">
+          <a:extLst>
+            <a:ext uri="{FF2B5EF4-FFF2-40B4-BE49-F238E27FC236}">
+              <a16:creationId xmlns:a16="http://schemas.microsoft.com/office/drawing/2014/main" id="{AF59173B-8E24-E73E-3A7D-033290DC2223}"/>
+            </a:ext>
+          </a:extLst>
+        </p:cNvPr>
+        <p:cNvGrpSpPr/>
+        <p:nvPr/>
+      </p:nvGrpSpPr>
+      <p:grpSpPr>
+        <a:xfrm>
+          <a:off x="0" y="0"/>
+          <a:ext cx="0" cy="0"/>
+          <a:chOff x="0" y="0"/>
+          <a:chExt cx="0" cy="0"/>
+        </a:xfrm>
+      </p:grpSpPr>
+      <p:sp>
+        <p:nvSpPr>
+          <p:cNvPr id="2" name="Title 1">
+            <a:extLst>
+              <a:ext uri="{FF2B5EF4-FFF2-40B4-BE49-F238E27FC236}">
+                <a16:creationId xmlns:a16="http://schemas.microsoft.com/office/drawing/2014/main" id="{D37CEA73-42AB-D36F-CBA8-2FE7B30FB22D}"/>
+              </a:ext>
+            </a:extLst>
+          </p:cNvPr>
+          <p:cNvSpPr>
+            <a:spLocks noGrp="1"/>
+          </p:cNvSpPr>
+          <p:nvPr>
+            <p:ph type="title"/>
+          </p:nvPr>
+        </p:nvSpPr>
+        <p:spPr>
+          <a:xfrm>
+            <a:off x="700635" y="922096"/>
+            <a:ext cx="10691265" cy="688990"/>
+          </a:xfrm>
+        </p:spPr>
+        <p:txBody>
+          <a:bodyPr>
+            <a:normAutofit fontScale="90000"/>
+          </a:bodyPr>
+          <a:lstStyle/>
+          <a:p>
+            <a:r>
+              <a:rPr lang="es-ES_tradnl" dirty="0"/>
+              <a:t>Operando con Pandas</a:t>
+            </a:r>
+          </a:p>
+        </p:txBody>
+      </p:sp>
+      <p:sp>
+        <p:nvSpPr>
+          <p:cNvPr id="6" name="Slide Number Placeholder 5">
+            <a:extLst>
+              <a:ext uri="{FF2B5EF4-FFF2-40B4-BE49-F238E27FC236}">
+                <a16:creationId xmlns:a16="http://schemas.microsoft.com/office/drawing/2014/main" id="{B702B414-33DF-9B3A-1F72-21F5DF0F4107}"/>
+              </a:ext>
+            </a:extLst>
+          </p:cNvPr>
+          <p:cNvSpPr>
+            <a:spLocks noGrp="1"/>
+          </p:cNvSpPr>
+          <p:nvPr>
+            <p:ph type="sldNum" sz="quarter" idx="12"/>
+          </p:nvPr>
+        </p:nvSpPr>
+        <p:spPr/>
+        <p:txBody>
+          <a:bodyPr/>
+          <a:lstStyle/>
+          <a:p>
+            <a:fld id="{87E7843D-FF13-4365-9478-9625B70A2705}" type="slidenum">
+              <a:rPr lang="en-US" smtClean="0"/>
+              <a:t>12</a:t>
+            </a:fld>
+            <a:endParaRPr lang="en-US"/>
+          </a:p>
+        </p:txBody>
+      </p:sp>
+      <p:sp>
+        <p:nvSpPr>
+          <p:cNvPr id="4" name="Content Placeholder 3">
+            <a:extLst>
+              <a:ext uri="{FF2B5EF4-FFF2-40B4-BE49-F238E27FC236}">
+                <a16:creationId xmlns:a16="http://schemas.microsoft.com/office/drawing/2014/main" id="{3C2FD977-49FE-F434-2742-D341835B5FD1}"/>
+              </a:ext>
+            </a:extLst>
+          </p:cNvPr>
+          <p:cNvSpPr>
+            <a:spLocks noGrp="1"/>
+          </p:cNvSpPr>
+          <p:nvPr>
+            <p:ph idx="1"/>
+          </p:nvPr>
+        </p:nvSpPr>
+        <p:spPr>
+          <a:xfrm>
+            <a:off x="700636" y="1672046"/>
+            <a:ext cx="10691264" cy="4257168"/>
+          </a:xfrm>
+        </p:spPr>
+        <p:txBody>
+          <a:bodyPr>
+            <a:normAutofit/>
+          </a:bodyPr>
+          <a:lstStyle/>
+          <a:p>
+            <a:pPr marL="0" indent="0">
+              <a:buNone/>
+            </a:pPr>
+            <a:r>
+              <a:rPr lang="es-ES" dirty="0"/>
+              <a:t>Una de las partes principales de </a:t>
+            </a:r>
+            <a:r>
+              <a:rPr lang="es-ES" dirty="0" err="1"/>
+              <a:t>NumPy</a:t>
+            </a:r>
+            <a:r>
+              <a:rPr lang="es-ES" dirty="0"/>
+              <a:t> es la capacidad de realizar operaciones rápidas elemento por elemento, tanto con aritmética básica como con operaciones más sofisticadas </a:t>
+            </a:r>
+          </a:p>
+          <a:p>
+            <a:pPr marL="0" indent="0">
+              <a:buNone/>
+            </a:pPr>
+            <a:r>
+              <a:rPr lang="es-ES" dirty="0"/>
+              <a:t>Pandas hereda gran parte de esta funcionalidad de </a:t>
+            </a:r>
+            <a:r>
+              <a:rPr lang="es-ES" dirty="0" err="1"/>
+              <a:t>NumPy</a:t>
+            </a:r>
+            <a:r>
+              <a:rPr lang="es-ES" dirty="0"/>
+              <a:t>.</a:t>
+            </a:r>
+          </a:p>
+          <a:p>
+            <a:pPr marL="0" indent="0">
+              <a:buNone/>
+            </a:pPr>
+            <a:endParaRPr lang="es-ES" dirty="0"/>
+          </a:p>
+          <a:p>
+            <a:pPr marL="0" indent="0">
+              <a:buNone/>
+            </a:pPr>
+            <a:endParaRPr lang="es-ES" sz="1600" dirty="0"/>
+          </a:p>
+        </p:txBody>
+      </p:sp>
+      <p:sp>
+        <p:nvSpPr>
+          <p:cNvPr id="3" name="Footer Placeholder 4">
+            <a:extLst>
+              <a:ext uri="{FF2B5EF4-FFF2-40B4-BE49-F238E27FC236}">
+                <a16:creationId xmlns:a16="http://schemas.microsoft.com/office/drawing/2014/main" id="{C73F7C93-E4E8-E8F7-B488-FA4C35AC8ECE}"/>
+              </a:ext>
+            </a:extLst>
+          </p:cNvPr>
+          <p:cNvSpPr>
+            <a:spLocks noGrp="1"/>
+          </p:cNvSpPr>
+          <p:nvPr>
+            <p:ph type="ftr" sz="quarter" idx="11"/>
+          </p:nvPr>
+        </p:nvSpPr>
+        <p:spPr>
+          <a:xfrm>
+            <a:off x="715383" y="6356350"/>
+            <a:ext cx="4539727" cy="365125"/>
+          </a:xfrm>
+        </p:spPr>
+        <p:txBody>
+          <a:bodyPr>
+            <a:normAutofit/>
+          </a:bodyPr>
+          <a:lstStyle/>
+          <a:p>
+            <a:pPr>
+              <a:spcAft>
+                <a:spcPts val="600"/>
+              </a:spcAft>
+            </a:pPr>
+            <a:r>
+              <a:rPr lang="es-ES_tradnl" dirty="0"/>
+              <a:t>Aprendizaje Automático – </a:t>
+            </a:r>
+            <a:r>
+              <a:rPr lang="es-ES_tradnl" dirty="0" err="1"/>
+              <a:t>CEIoT</a:t>
+            </a:r>
+            <a:r>
+              <a:rPr lang="es-ES_tradnl" dirty="0"/>
+              <a:t> – FIUBA</a:t>
+            </a:r>
+          </a:p>
+        </p:txBody>
+      </p:sp>
+    </p:spTree>
+    <p:extLst>
+      <p:ext uri="{BB962C8B-B14F-4D97-AF65-F5344CB8AC3E}">
+        <p14:creationId xmlns:p14="http://schemas.microsoft.com/office/powerpoint/2010/main" val="2393571059"/>
+      </p:ext>
+    </p:extLst>
+  </p:cSld>
+  <p:clrMapOvr>
+    <a:masterClrMapping/>
+  </p:clrMapOvr>
+</p:sld>
+</file>
+
+<file path=ppt/slides/slide13.xml><?xml version="1.0" encoding="utf-8"?>
+<p:sld xmlns:a="http://schemas.openxmlformats.org/drawingml/2006/main" xmlns:r="http://schemas.openxmlformats.org/officeDocument/2006/relationships" xmlns:p="http://schemas.openxmlformats.org/presentationml/2006/main">
+  <p:cSld>
+    <p:bg>
+      <p:bgPr>
+        <a:solidFill>
+          <a:schemeClr val="bg1"/>
+        </a:solidFill>
+        <a:effectLst/>
+      </p:bgPr>
+    </p:bg>
+    <p:spTree>
+      <p:nvGrpSpPr>
+        <p:cNvPr id="1" name="">
+          <a:extLst>
+            <a:ext uri="{FF2B5EF4-FFF2-40B4-BE49-F238E27FC236}">
+              <a16:creationId xmlns:a16="http://schemas.microsoft.com/office/drawing/2014/main" id="{F94BECB4-F27B-1CC7-39C4-7E93D59BFB2D}"/>
+            </a:ext>
+          </a:extLst>
+        </p:cNvPr>
+        <p:cNvGrpSpPr/>
+        <p:nvPr/>
+      </p:nvGrpSpPr>
+      <p:grpSpPr>
+        <a:xfrm>
+          <a:off x="0" y="0"/>
+          <a:ext cx="0" cy="0"/>
+          <a:chOff x="0" y="0"/>
+          <a:chExt cx="0" cy="0"/>
+        </a:xfrm>
+      </p:grpSpPr>
+      <p:sp useBgFill="1">
+        <p:nvSpPr>
+          <p:cNvPr id="9" name="Rectangle 8">
+            <a:extLst>
+              <a:ext uri="{FF2B5EF4-FFF2-40B4-BE49-F238E27FC236}">
+                <a16:creationId xmlns:a16="http://schemas.microsoft.com/office/drawing/2014/main" id="{33E93247-6229-44AB-A550-739E971E690B}"/>
+              </a:ext>
+              <a:ext uri="{C183D7F6-B498-43B3-948B-1728B52AA6E4}">
+                <adec:decorative xmlns:adec="http://schemas.microsoft.com/office/drawing/2017/decorative" val="1"/>
+              </a:ext>
+            </a:extLst>
+          </p:cNvPr>
+          <p:cNvSpPr>
+            <a:spLocks noGrp="1" noRot="1" noChangeAspect="1" noMove="1" noResize="1" noEditPoints="1" noAdjustHandles="1" noChangeArrowheads="1" noChangeShapeType="1" noTextEdit="1"/>
+          </p:cNvSpPr>
+          <p:nvPr>
+            <p:extLst>
+              <p:ext uri="{386F3935-93C4-4BCD-93E2-E3B085C9AB24}">
+                <p16:designElem xmlns:p16="http://schemas.microsoft.com/office/powerpoint/2015/main" val="1"/>
+              </p:ext>
+            </p:extLst>
+          </p:nvPr>
+        </p:nvSpPr>
+        <p:spPr>
+          <a:xfrm>
+            <a:off x="0" y="0"/>
+            <a:ext cx="12192000" cy="6858000"/>
+          </a:xfrm>
+          <a:prstGeom prst="rect">
+            <a:avLst/>
+          </a:prstGeom>
+          <a:ln w="12700" cap="flat" cmpd="sng" algn="ctr">
+            <a:noFill/>
+            <a:prstDash val="solid"/>
+            <a:miter lim="800000"/>
+          </a:ln>
+          <a:effectLst/>
+          <a:extLst>
+            <a:ext uri="{91240B29-F687-4F45-9708-019B960494DF}">
+              <a14:hiddenLine xmlns:a14="http://schemas.microsoft.com/office/drawing/2010/main" w="12700" cap="flat" cmpd="sng" algn="ctr">
+                <a:solidFill>
+                  <a:schemeClr val="accent1">
+                    <a:shade val="50000"/>
+                  </a:schemeClr>
+                </a:solidFill>
+                <a:prstDash val="solid"/>
+                <a:miter lim="800000"/>
+              </a14:hiddenLine>
+            </a:ext>
+          </a:extLst>
+        </p:spPr>
+        <p:style>
+          <a:lnRef idx="2">
+            <a:schemeClr val="accent1">
+              <a:shade val="50000"/>
+            </a:schemeClr>
+          </a:lnRef>
+          <a:fillRef idx="1">
+            <a:schemeClr val="accent1"/>
+          </a:fillRef>
+          <a:effectRef idx="0">
+            <a:schemeClr val="accent1"/>
+          </a:effectRef>
+          <a:fontRef idx="minor">
+            <a:schemeClr val="lt1"/>
+          </a:fontRef>
+        </p:style>
+        <p:txBody>
+          <a:bodyPr rtlCol="0" anchor="ctr"/>
+          <a:lstStyle/>
+          <a:p>
+            <a:pPr algn="ctr"/>
+            <a:endParaRPr lang="en-US"/>
+          </a:p>
+        </p:txBody>
+      </p:sp>
+      <p:sp>
+        <p:nvSpPr>
+          <p:cNvPr id="11" name="Rectangle 10">
+            <a:extLst>
+              <a:ext uri="{FF2B5EF4-FFF2-40B4-BE49-F238E27FC236}">
+                <a16:creationId xmlns:a16="http://schemas.microsoft.com/office/drawing/2014/main" id="{BC30665E-D592-446F-98EB-15F172A22697}"/>
+              </a:ext>
+              <a:ext uri="{C183D7F6-B498-43B3-948B-1728B52AA6E4}">
+                <adec:decorative xmlns:adec="http://schemas.microsoft.com/office/drawing/2017/decorative" val="1"/>
+              </a:ext>
+            </a:extLst>
+          </p:cNvPr>
+          <p:cNvSpPr>
+            <a:spLocks noGrp="1" noRot="1" noChangeAspect="1" noMove="1" noResize="1" noEditPoints="1" noAdjustHandles="1" noChangeArrowheads="1" noChangeShapeType="1" noTextEdit="1"/>
+          </p:cNvSpPr>
+          <p:nvPr>
+            <p:extLst>
+              <p:ext uri="{386F3935-93C4-4BCD-93E2-E3B085C9AB24}">
+                <p16:designElem xmlns:p16="http://schemas.microsoft.com/office/powerpoint/2015/main" val="1"/>
+              </p:ext>
+            </p:extLst>
+          </p:nvPr>
+        </p:nvSpPr>
+        <p:spPr>
+          <a:xfrm>
+            <a:off x="0" y="0"/>
+            <a:ext cx="12192000" cy="6858000"/>
+          </a:xfrm>
+          <a:prstGeom prst="rect">
+            <a:avLst/>
+          </a:prstGeom>
+          <a:solidFill>
+            <a:schemeClr val="tx1"/>
+          </a:solidFill>
+          <a:ln w="12700" cap="flat" cmpd="sng" algn="ctr">
+            <a:noFill/>
+            <a:prstDash val="solid"/>
+            <a:miter lim="800000"/>
+          </a:ln>
+          <a:effectLst/>
+        </p:spPr>
+        <p:style>
+          <a:lnRef idx="2">
+            <a:schemeClr val="accent1">
+              <a:shade val="50000"/>
+            </a:schemeClr>
+          </a:lnRef>
+          <a:fillRef idx="1">
+            <a:schemeClr val="accent1"/>
+          </a:fillRef>
+          <a:effectRef idx="0">
+            <a:schemeClr val="accent1"/>
+          </a:effectRef>
+          <a:fontRef idx="minor">
+            <a:schemeClr val="lt1"/>
+          </a:fontRef>
+        </p:style>
+        <p:txBody>
+          <a:bodyPr rtlCol="0" anchor="ctr"/>
+          <a:lstStyle/>
+          <a:p>
+            <a:pPr algn="ctr"/>
+            <a:endParaRPr lang="en-US"/>
+          </a:p>
+        </p:txBody>
+      </p:sp>
+      <p:cxnSp>
+        <p:nvCxnSpPr>
+          <p:cNvPr id="13" name="Straight Connector 12">
+            <a:extLst>
+              <a:ext uri="{FF2B5EF4-FFF2-40B4-BE49-F238E27FC236}">
+                <a16:creationId xmlns:a16="http://schemas.microsoft.com/office/drawing/2014/main" id="{EE2E603F-4A95-4FE8-BB06-211DFD75DBEF}"/>
+              </a:ext>
+              <a:ext uri="{C183D7F6-B498-43B3-948B-1728B52AA6E4}">
+                <adec:decorative xmlns:adec="http://schemas.microsoft.com/office/drawing/2017/decorative" val="1"/>
+              </a:ext>
+            </a:extLst>
+          </p:cNvPr>
+          <p:cNvCxnSpPr>
+            <a:cxnSpLocks noGrp="1" noRot="1" noChangeAspect="1" noMove="1" noResize="1" noEditPoints="1" noAdjustHandles="1" noChangeArrowheads="1" noChangeShapeType="1"/>
+          </p:cNvCxnSpPr>
+          <p:nvPr>
+            <p:extLst>
+              <p:ext uri="{386F3935-93C4-4BCD-93E2-E3B085C9AB24}">
+                <p16:designElem xmlns:p16="http://schemas.microsoft.com/office/powerpoint/2015/main" val="1"/>
+              </p:ext>
+            </p:extLst>
+          </p:nvPr>
+        </p:nvCxnSpPr>
+        <p:spPr>
+          <a:xfrm>
+            <a:off x="800100" y="4555080"/>
+            <a:ext cx="10591800" cy="0"/>
+          </a:xfrm>
+          <a:prstGeom prst="line">
+            <a:avLst/>
+          </a:prstGeom>
+          <a:ln w="44450">
+            <a:solidFill>
+              <a:schemeClr val="bg1"/>
+            </a:solidFill>
+          </a:ln>
+        </p:spPr>
+        <p:style>
+          <a:lnRef idx="1">
+            <a:schemeClr val="accent1"/>
+          </a:lnRef>
+          <a:fillRef idx="0">
+            <a:schemeClr val="accent1"/>
+          </a:fillRef>
+          <a:effectRef idx="0">
+            <a:schemeClr val="accent1"/>
+          </a:effectRef>
+          <a:fontRef idx="minor">
+            <a:schemeClr val="tx1"/>
+          </a:fontRef>
+        </p:style>
+      </p:cxnSp>
+      <p:sp>
+        <p:nvSpPr>
+          <p:cNvPr id="2" name="Title 1">
+            <a:extLst>
+              <a:ext uri="{FF2B5EF4-FFF2-40B4-BE49-F238E27FC236}">
+                <a16:creationId xmlns:a16="http://schemas.microsoft.com/office/drawing/2014/main" id="{AA098BD5-C827-C457-D003-604C728F26B0}"/>
+              </a:ext>
+            </a:extLst>
+          </p:cNvPr>
+          <p:cNvSpPr>
+            <a:spLocks noGrp="1"/>
+          </p:cNvSpPr>
+          <p:nvPr>
+            <p:ph type="ctrTitle"/>
+          </p:nvPr>
+        </p:nvSpPr>
+        <p:spPr>
+          <a:xfrm>
+            <a:off x="703400" y="4702835"/>
+            <a:ext cx="10801350" cy="978772"/>
+          </a:xfrm>
+        </p:spPr>
+        <p:txBody>
+          <a:bodyPr>
+            <a:normAutofit/>
+          </a:bodyPr>
+          <a:lstStyle/>
+          <a:p>
+            <a:r>
+              <a:rPr lang="es-ES_tradnl" dirty="0">
+                <a:solidFill>
+                  <a:schemeClr val="bg1"/>
+                </a:solidFill>
+              </a:rPr>
+              <a:t>Combinando datos</a:t>
+            </a:r>
+          </a:p>
+        </p:txBody>
+      </p:sp>
+      <p:pic>
+        <p:nvPicPr>
+          <p:cNvPr id="4" name="Picture 3" descr="Vector background of vibrant colors splashing">
+            <a:extLst>
+              <a:ext uri="{FF2B5EF4-FFF2-40B4-BE49-F238E27FC236}">
+                <a16:creationId xmlns:a16="http://schemas.microsoft.com/office/drawing/2014/main" id="{201C4C40-33AE-980F-4F65-F2AAF88182E6}"/>
+              </a:ext>
+            </a:extLst>
+          </p:cNvPr>
+          <p:cNvPicPr>
+            <a:picLocks noChangeAspect="1"/>
+          </p:cNvPicPr>
+          <p:nvPr/>
+        </p:nvPicPr>
+        <p:blipFill rotWithShape="1">
+          <a:blip r:embed="rId2"/>
+          <a:srcRect t="34398" r="2" b="17120"/>
+          <a:stretch/>
+        </p:blipFill>
+        <p:spPr>
+          <a:xfrm>
+            <a:off x="800100" y="712916"/>
+            <a:ext cx="10591800" cy="3491895"/>
+          </a:xfrm>
+          <a:prstGeom prst="rect">
+            <a:avLst/>
+          </a:prstGeom>
+        </p:spPr>
+      </p:pic>
+    </p:spTree>
+    <p:extLst>
+      <p:ext uri="{BB962C8B-B14F-4D97-AF65-F5344CB8AC3E}">
+        <p14:creationId xmlns:p14="http://schemas.microsoft.com/office/powerpoint/2010/main" val="1158127330"/>
+      </p:ext>
+    </p:extLst>
+  </p:cSld>
+  <p:clrMapOvr>
+    <a:masterClrMapping/>
+  </p:clrMapOvr>
+  <p:timing>
+    <p:tnLst>
+      <p:par>
+        <p:cTn id="1" dur="indefinite" restart="never" nodeType="tmRoot">
+          <p:childTnLst>
+            <p:seq concurrent="1" nextAc="seek">
+              <p:cTn id="2" dur="indefinite" nodeType="mainSeq">
+                <p:childTnLst>
+                  <p:par>
+                    <p:cTn id="3" fill="hold">
+                      <p:stCondLst>
+                        <p:cond delay="indefinite"/>
+                        <p:cond evt="onBegin" delay="0">
+                          <p:tn val="2"/>
+                        </p:cond>
+                      </p:stCondLst>
+                      <p:childTnLst>
+                        <p:par>
+                          <p:cTn id="4" fill="hold">
+                            <p:stCondLst>
+                              <p:cond delay="0"/>
+                            </p:stCondLst>
+                            <p:childTnLst>
+                              <p:par>
+                                <p:cTn id="5" presetID="10" presetClass="entr" presetSubtype="0" fill="hold" grpId="0" nodeType="withEffect">
+                                  <p:stCondLst>
+                                    <p:cond delay="1000"/>
+                                  </p:stCondLst>
+                                  <p:iterate type="lt">
+                                    <p:tmPct val="10000"/>
+                                  </p:iterate>
+                                  <p:childTnLst>
+                                    <p:set>
+                                      <p:cBhvr>
+                                        <p:cTn id="6" dur="1" fill="hold">
+                                          <p:stCondLst>
+                                            <p:cond delay="0"/>
+                                          </p:stCondLst>
+                                        </p:cTn>
+                                        <p:tgtEl>
+                                          <p:spTgt spid="2"/>
+                                        </p:tgtEl>
+                                        <p:attrNameLst>
+                                          <p:attrName>style.visibility</p:attrName>
+                                        </p:attrNameLst>
+                                      </p:cBhvr>
+                                      <p:to>
+                                        <p:strVal val="visible"/>
+                                      </p:to>
+                                    </p:set>
+                                    <p:animEffect transition="in" filter="fade">
+                                      <p:cBhvr>
+                                        <p:cTn id="7" dur="400"/>
+                                        <p:tgtEl>
+                                          <p:spTgt spid="2"/>
+                                        </p:tgtEl>
+                                      </p:cBhvr>
+                                    </p:animEffect>
+                                  </p:childTnLst>
+                                </p:cTn>
+                              </p:par>
+                            </p:childTnLst>
+                          </p:cTn>
+                        </p:par>
+                      </p:childTnLst>
+                    </p:cTn>
+                  </p:par>
+                </p:childTnLst>
+              </p:cTn>
+              <p:prevCondLst>
+                <p:cond evt="onPrev" delay="0">
+                  <p:tgtEl>
+                    <p:sldTgt/>
+                  </p:tgtEl>
+                </p:cond>
+              </p:prevCondLst>
+              <p:nextCondLst>
+                <p:cond evt="onNext" delay="0">
+                  <p:tgtEl>
+                    <p:sldTgt/>
+                  </p:tgtEl>
+                </p:cond>
+              </p:nextCondLst>
+            </p:seq>
+          </p:childTnLst>
+        </p:cTn>
+      </p:par>
+    </p:tnLst>
+    <p:bldLst>
+      <p:bldP spid="2" grpId="0"/>
+    </p:bldLst>
+  </p:timing>
+</p:sld>
+</file>
+
+<file path=ppt/slides/slide14.xml><?xml version="1.0" encoding="utf-8"?>
+<p:sld xmlns:a="http://schemas.openxmlformats.org/drawingml/2006/main" xmlns:r="http://schemas.openxmlformats.org/officeDocument/2006/relationships" xmlns:p="http://schemas.openxmlformats.org/presentationml/2006/main">
+  <p:cSld>
+    <p:spTree>
+      <p:nvGrpSpPr>
+        <p:cNvPr id="1" name="">
+          <a:extLst>
+            <a:ext uri="{FF2B5EF4-FFF2-40B4-BE49-F238E27FC236}">
+              <a16:creationId xmlns:a16="http://schemas.microsoft.com/office/drawing/2014/main" id="{AF59173B-8E24-E73E-3A7D-033290DC2223}"/>
+            </a:ext>
+          </a:extLst>
+        </p:cNvPr>
+        <p:cNvGrpSpPr/>
+        <p:nvPr/>
+      </p:nvGrpSpPr>
+      <p:grpSpPr>
+        <a:xfrm>
+          <a:off x="0" y="0"/>
+          <a:ext cx="0" cy="0"/>
+          <a:chOff x="0" y="0"/>
+          <a:chExt cx="0" cy="0"/>
+        </a:xfrm>
+      </p:grpSpPr>
+      <p:sp>
+        <p:nvSpPr>
+          <p:cNvPr id="2" name="Title 1">
+            <a:extLst>
+              <a:ext uri="{FF2B5EF4-FFF2-40B4-BE49-F238E27FC236}">
+                <a16:creationId xmlns:a16="http://schemas.microsoft.com/office/drawing/2014/main" id="{D37CEA73-42AB-D36F-CBA8-2FE7B30FB22D}"/>
+              </a:ext>
+            </a:extLst>
+          </p:cNvPr>
+          <p:cNvSpPr>
+            <a:spLocks noGrp="1"/>
+          </p:cNvSpPr>
+          <p:nvPr>
+            <p:ph type="title"/>
+          </p:nvPr>
+        </p:nvSpPr>
+        <p:spPr>
+          <a:xfrm>
+            <a:off x="700635" y="922096"/>
+            <a:ext cx="10691265" cy="688990"/>
+          </a:xfrm>
+        </p:spPr>
+        <p:txBody>
+          <a:bodyPr>
+            <a:normAutofit fontScale="90000"/>
+          </a:bodyPr>
+          <a:lstStyle/>
+          <a:p>
+            <a:r>
+              <a:rPr lang="es-ES_tradnl" dirty="0"/>
+              <a:t>Combinando datos</a:t>
+            </a:r>
+          </a:p>
+        </p:txBody>
+      </p:sp>
+      <p:sp>
+        <p:nvSpPr>
+          <p:cNvPr id="6" name="Slide Number Placeholder 5">
+            <a:extLst>
+              <a:ext uri="{FF2B5EF4-FFF2-40B4-BE49-F238E27FC236}">
+                <a16:creationId xmlns:a16="http://schemas.microsoft.com/office/drawing/2014/main" id="{B702B414-33DF-9B3A-1F72-21F5DF0F4107}"/>
+              </a:ext>
+            </a:extLst>
+          </p:cNvPr>
+          <p:cNvSpPr>
+            <a:spLocks noGrp="1"/>
+          </p:cNvSpPr>
+          <p:nvPr>
+            <p:ph type="sldNum" sz="quarter" idx="12"/>
+          </p:nvPr>
+        </p:nvSpPr>
+        <p:spPr/>
+        <p:txBody>
+          <a:bodyPr/>
+          <a:lstStyle/>
+          <a:p>
+            <a:fld id="{87E7843D-FF13-4365-9478-9625B70A2705}" type="slidenum">
+              <a:rPr lang="en-US" smtClean="0"/>
+              <a:t>14</a:t>
             </a:fld>
             <a:endParaRPr lang="en-US"/>
           </a:p>
@@ -5630,7 +7552,7 @@
 </p:sld>
 </file>
 
-<file path=ppt/slides/slide11.xml><?xml version="1.0" encoding="utf-8"?>
+<file path=ppt/slides/slide15.xml><?xml version="1.0" encoding="utf-8"?>
 <p:sld xmlns:a="http://schemas.openxmlformats.org/drawingml/2006/main" xmlns:r="http://schemas.openxmlformats.org/officeDocument/2006/relationships" xmlns:p="http://schemas.openxmlformats.org/presentationml/2006/main">
   <p:cSld>
     <p:bg>
@@ -6028,7 +7950,7 @@
 </p:sld>
 </file>
 
-<file path=ppt/slides/slide12.xml><?xml version="1.0" encoding="utf-8"?>
+<file path=ppt/slides/slide16.xml><?xml version="1.0" encoding="utf-8"?>
 <p:sld xmlns:a="http://schemas.openxmlformats.org/drawingml/2006/main" xmlns:r="http://schemas.openxmlformats.org/officeDocument/2006/relationships" xmlns:p="http://schemas.openxmlformats.org/presentationml/2006/main">
   <p:cSld>
     <p:spTree>
@@ -6109,7 +8031,7 @@
           <a:p>
             <a:fld id="{87E7843D-FF13-4365-9478-9625B70A2705}" type="slidenum">
               <a:rPr lang="en-US" smtClean="0"/>
-              <a:t>12</a:t>
+              <a:t>16</a:t>
             </a:fld>
             <a:endParaRPr lang="en-US"/>
           </a:p>
@@ -6708,7 +8630,7 @@
 </p:sld>
 </file>
 
-<file path=ppt/slides/slide13.xml><?xml version="1.0" encoding="utf-8"?>
+<file path=ppt/slides/slide17.xml><?xml version="1.0" encoding="utf-8"?>
 <p:sld xmlns:a="http://schemas.openxmlformats.org/drawingml/2006/main" xmlns:r="http://schemas.openxmlformats.org/officeDocument/2006/relationships" xmlns:p="http://schemas.openxmlformats.org/presentationml/2006/main">
   <p:cSld>
     <p:bg>
@@ -7106,7 +9028,7 @@
 </p:sld>
 </file>
 
-<file path=ppt/slides/slide14.xml><?xml version="1.0" encoding="utf-8"?>
+<file path=ppt/slides/slide18.xml><?xml version="1.0" encoding="utf-8"?>
 <p:sld xmlns:a="http://schemas.openxmlformats.org/drawingml/2006/main" xmlns:r="http://schemas.openxmlformats.org/officeDocument/2006/relationships" xmlns:p="http://schemas.openxmlformats.org/presentationml/2006/main">
   <p:cSld>
     <p:spTree>
@@ -7187,7 +9109,7 @@
           <a:p>
             <a:fld id="{87E7843D-FF13-4365-9478-9625B70A2705}" type="slidenum">
               <a:rPr lang="en-US" smtClean="0"/>
-              <a:t>14</a:t>
+              <a:t>18</a:t>
             </a:fld>
             <a:endParaRPr lang="en-US"/>
           </a:p>
@@ -7360,7 +9282,7 @@
 </p:sld>
 </file>
 
-<file path=ppt/slides/slide15.xml><?xml version="1.0" encoding="utf-8"?>
+<file path=ppt/slides/slide19.xml><?xml version="1.0" encoding="utf-8"?>
 <p:sld xmlns:a="http://schemas.openxmlformats.org/drawingml/2006/main" xmlns:r="http://schemas.openxmlformats.org/officeDocument/2006/relationships" xmlns:p="http://schemas.openxmlformats.org/presentationml/2006/main">
   <p:cSld>
     <p:spTree>
@@ -7441,7 +9363,7 @@
           <a:p>
             <a:fld id="{87E7843D-FF13-4365-9478-9625B70A2705}" type="slidenum">
               <a:rPr lang="en-US" smtClean="0"/>
-              <a:t>15</a:t>
+              <a:t>19</a:t>
             </a:fld>
             <a:endParaRPr lang="en-US"/>
           </a:p>
@@ -8784,13 +10706,18 @@
           <a:lstStyle/>
           <a:p>
             <a:r>
-              <a:rPr lang="es-ES_tradnl" dirty="0">
+              <a:rPr lang="es-ES_tradnl" dirty="0" err="1">
                 <a:solidFill>
                   <a:schemeClr val="bg1"/>
                 </a:solidFill>
               </a:rPr>
-              <a:t>Estructura de Datos de Pandas</a:t>
-            </a:r>
+              <a:t>Numpy</a:t>
+            </a:r>
+            <a:endParaRPr lang="es-ES_tradnl" dirty="0">
+              <a:solidFill>
+                <a:schemeClr val="bg1"/>
+              </a:solidFill>
+            </a:endParaRPr>
           </a:p>
         </p:txBody>
       </p:sp>
@@ -8980,9 +10907,10 @@
           <a:lstStyle/>
           <a:p>
             <a:r>
-              <a:rPr lang="es-ES_tradnl" dirty="0"/>
-              <a:t>Estructuras de datos de Pandas</a:t>
-            </a:r>
+              <a:rPr lang="es-ES_tradnl" dirty="0" err="1"/>
+              <a:t>Numpy</a:t>
+            </a:r>
+            <a:endParaRPr lang="es-ES_tradnl" dirty="0"/>
           </a:p>
         </p:txBody>
       </p:sp>
@@ -9039,7 +10967,7 @@
         </p:spPr>
         <p:txBody>
           <a:bodyPr>
-            <a:normAutofit/>
+            <a:normAutofit fontScale="92500" lnSpcReduction="10000"/>
           </a:bodyPr>
           <a:lstStyle/>
           <a:p>
@@ -9048,66 +10976,124 @@
             </a:pPr>
             <a:r>
               <a:rPr lang="es-ES" dirty="0"/>
-              <a:t>A un nivel muy básico, los objetos de </a:t>
+              <a:t>Cuando trabajamos en aplicaciones de Aprendizaje Automático, trabajamos con muchos tipos de datos y en grandes cantidades. </a:t>
+            </a:r>
+          </a:p>
+          <a:p>
+            <a:pPr marL="0" indent="0">
+              <a:buNone/>
+            </a:pPr>
+            <a:r>
+              <a:rPr lang="es-ES" dirty="0"/>
+              <a:t>Los conjuntos de datos pueden provenir de una amplia gama de fuentes y formatos, como colecciones de documentos, imágenes, clips de sonido, mediciones numéricas, entre otros. A pesar de esta aparente heterogeneidad, nos ayudará pensar en todos los datos fundamentalmente como </a:t>
+            </a:r>
+            <a:r>
+              <a:rPr lang="es-ES" dirty="0" err="1"/>
+              <a:t>arrays</a:t>
+            </a:r>
+            <a:r>
+              <a:rPr lang="es-ES" dirty="0"/>
+              <a:t> de números.</a:t>
+            </a:r>
+          </a:p>
+          <a:p>
+            <a:pPr marL="0" indent="0">
+              <a:buNone/>
+            </a:pPr>
+            <a:r>
+              <a:rPr lang="es-ES" dirty="0"/>
+              <a:t>El almacenamiento y manipulación eficientes de </a:t>
+            </a:r>
+            <a:r>
+              <a:rPr lang="es-ES" dirty="0" err="1"/>
+              <a:t>arrays</a:t>
+            </a:r>
+            <a:r>
+              <a:rPr lang="es-ES" dirty="0"/>
+              <a:t> numéricos son absolutamente fundamentales en el proceso de hacer Aprendizaje Automático. </a:t>
+            </a:r>
+          </a:p>
+          <a:p>
+            <a:pPr marL="0" indent="0">
+              <a:buNone/>
+            </a:pPr>
+            <a:r>
+              <a:rPr lang="es-ES" dirty="0"/>
+              <a:t>Esto lo podemos hacer usando </a:t>
             </a:r>
             <a:r>
               <a:rPr lang="es-ES" b="1" dirty="0">
+                <a:solidFill>
+                  <a:schemeClr val="accent4"/>
+                </a:solidFill>
                 <a:hlinkClick r:id="rId3"/>
               </a:rPr>
-              <a:t>Pandas</a:t>
+              <a:t>NumPy</a:t>
             </a:r>
             <a:r>
               <a:rPr lang="es-ES" dirty="0"/>
-              <a:t> son una versión mejorada de las estructuras de </a:t>
-            </a:r>
+              <a:t>.</a:t>
+            </a:r>
+          </a:p>
+          <a:p>
+            <a:pPr marL="0" indent="0">
+              <a:buNone/>
+            </a:pPr>
             <a:r>
               <a:rPr lang="es-ES" dirty="0" err="1"/>
               <a:t>NumPy</a:t>
             </a:r>
             <a:r>
               <a:rPr lang="es-ES" dirty="0"/>
-              <a:t> en los cuales las filas y columnas se identifican con etiquetas. </a:t>
-            </a:r>
-          </a:p>
-          <a:p>
-            <a:pPr marL="0" indent="0">
-              <a:buNone/>
-            </a:pPr>
+              <a:t> nos ofrece los </a:t>
+            </a:r>
+            <a:r>
+              <a:rPr lang="es-ES" dirty="0" err="1"/>
+              <a:t>arrays</a:t>
+            </a:r>
             <a:r>
               <a:rPr lang="es-ES" dirty="0"/>
-              <a:t>Tiene dos estructuras fundamentales:</a:t>
+              <a:t> que puede almacenar y operar datos de manera eficiente.</a:t>
             </a:r>
           </a:p>
           <a:p>
             <a:r>
               <a:rPr lang="es-ES" dirty="0"/>
-              <a:t>Series: Una serie de Pandas es un array </a:t>
+              <a:t>Una forma que logra ser eficiente es que los </a:t>
             </a:r>
             <a:r>
               <a:rPr lang="es-ES" dirty="0" err="1"/>
-              <a:t>uni</a:t>
+              <a:t>arrays</a:t>
             </a:r>
             <a:r>
               <a:rPr lang="es-ES" dirty="0"/>
-              <a:t>-dimensional de datos indexados.</a:t>
-            </a:r>
-          </a:p>
-          <a:p>
+              <a:t> sus elementos tienen que ser del mismo tipo. </a:t>
+            </a:r>
+          </a:p>
+          <a:p>
+            <a:r>
+              <a:rPr lang="es-ES" dirty="0"/>
+              <a:t>Los </a:t>
+            </a:r>
             <a:r>
               <a:rPr lang="es-ES" dirty="0" err="1"/>
-              <a:t>DataFrame</a:t>
+              <a:t>arrays</a:t>
             </a:r>
             <a:r>
               <a:rPr lang="es-ES" dirty="0"/>
-              <a:t>: Es análogo a un array de dos dimensiones con índices de filas y nombres de columnas. Un </a:t>
-            </a:r>
-            <a:r>
-              <a:rPr lang="es-ES" dirty="0" err="1"/>
-              <a:t>DataFrame</a:t>
+              <a:t> son </a:t>
+            </a:r>
+            <a:r>
+              <a:rPr lang="es-ES" b="1" dirty="0">
+                <a:solidFill>
+                  <a:schemeClr val="accent2"/>
+                </a:solidFill>
+              </a:rPr>
+              <a:t>mutables</a:t>
             </a:r>
             <a:r>
               <a:rPr lang="es-ES" dirty="0"/>
-              <a:t> se forma con una Serie para cada columna.</a:t>
+              <a:t> por defecto, pero se puede cambiar este comportamiento.</a:t>
             </a:r>
           </a:p>
           <a:p>
@@ -9181,7 +11167,7 @@
     </p:spTree>
     <p:extLst>
       <p:ext uri="{BB962C8B-B14F-4D97-AF65-F5344CB8AC3E}">
-        <p14:creationId xmlns:p14="http://schemas.microsoft.com/office/powerpoint/2010/main" val="3612179236"/>
+        <p14:creationId xmlns:p14="http://schemas.microsoft.com/office/powerpoint/2010/main" val="164269618"/>
       </p:ext>
     </p:extLst>
   </p:cSld>
@@ -9192,6 +11178,955 @@
 </file>
 
 <file path=ppt/slides/slide7.xml><?xml version="1.0" encoding="utf-8"?>
+<p:sld xmlns:a="http://schemas.openxmlformats.org/drawingml/2006/main" xmlns:r="http://schemas.openxmlformats.org/officeDocument/2006/relationships" xmlns:p="http://schemas.openxmlformats.org/presentationml/2006/main">
+  <p:cSld>
+    <p:spTree>
+      <p:nvGrpSpPr>
+        <p:cNvPr id="1" name="">
+          <a:extLst>
+            <a:ext uri="{FF2B5EF4-FFF2-40B4-BE49-F238E27FC236}">
+              <a16:creationId xmlns:a16="http://schemas.microsoft.com/office/drawing/2014/main" id="{AF59173B-8E24-E73E-3A7D-033290DC2223}"/>
+            </a:ext>
+          </a:extLst>
+        </p:cNvPr>
+        <p:cNvGrpSpPr/>
+        <p:nvPr/>
+      </p:nvGrpSpPr>
+      <p:grpSpPr>
+        <a:xfrm>
+          <a:off x="0" y="0"/>
+          <a:ext cx="0" cy="0"/>
+          <a:chOff x="0" y="0"/>
+          <a:chExt cx="0" cy="0"/>
+        </a:xfrm>
+      </p:grpSpPr>
+      <p:sp>
+        <p:nvSpPr>
+          <p:cNvPr id="2" name="Title 1">
+            <a:extLst>
+              <a:ext uri="{FF2B5EF4-FFF2-40B4-BE49-F238E27FC236}">
+                <a16:creationId xmlns:a16="http://schemas.microsoft.com/office/drawing/2014/main" id="{D37CEA73-42AB-D36F-CBA8-2FE7B30FB22D}"/>
+              </a:ext>
+            </a:extLst>
+          </p:cNvPr>
+          <p:cNvSpPr>
+            <a:spLocks noGrp="1"/>
+          </p:cNvSpPr>
+          <p:nvPr>
+            <p:ph type="title"/>
+          </p:nvPr>
+        </p:nvSpPr>
+        <p:spPr>
+          <a:xfrm>
+            <a:off x="700635" y="922096"/>
+            <a:ext cx="10691265" cy="688990"/>
+          </a:xfrm>
+        </p:spPr>
+        <p:txBody>
+          <a:bodyPr>
+            <a:normAutofit fontScale="90000"/>
+          </a:bodyPr>
+          <a:lstStyle/>
+          <a:p>
+            <a:r>
+              <a:rPr lang="es-ES_tradnl" dirty="0" err="1"/>
+              <a:t>Numpy</a:t>
+            </a:r>
+            <a:endParaRPr lang="es-ES_tradnl" dirty="0"/>
+          </a:p>
+        </p:txBody>
+      </p:sp>
+      <p:sp>
+        <p:nvSpPr>
+          <p:cNvPr id="6" name="Slide Number Placeholder 5">
+            <a:extLst>
+              <a:ext uri="{FF2B5EF4-FFF2-40B4-BE49-F238E27FC236}">
+                <a16:creationId xmlns:a16="http://schemas.microsoft.com/office/drawing/2014/main" id="{B702B414-33DF-9B3A-1F72-21F5DF0F4107}"/>
+              </a:ext>
+            </a:extLst>
+          </p:cNvPr>
+          <p:cNvSpPr>
+            <a:spLocks noGrp="1"/>
+          </p:cNvSpPr>
+          <p:nvPr>
+            <p:ph type="sldNum" sz="quarter" idx="12"/>
+          </p:nvPr>
+        </p:nvSpPr>
+        <p:spPr/>
+        <p:txBody>
+          <a:bodyPr/>
+          <a:lstStyle/>
+          <a:p>
+            <a:fld id="{87E7843D-FF13-4365-9478-9625B70A2705}" type="slidenum">
+              <a:rPr lang="en-US" smtClean="0"/>
+              <a:t>7</a:t>
+            </a:fld>
+            <a:endParaRPr lang="en-US"/>
+          </a:p>
+        </p:txBody>
+      </p:sp>
+      <p:sp>
+        <p:nvSpPr>
+          <p:cNvPr id="4" name="Content Placeholder 3">
+            <a:extLst>
+              <a:ext uri="{FF2B5EF4-FFF2-40B4-BE49-F238E27FC236}">
+                <a16:creationId xmlns:a16="http://schemas.microsoft.com/office/drawing/2014/main" id="{3C2FD977-49FE-F434-2742-D341835B5FD1}"/>
+              </a:ext>
+            </a:extLst>
+          </p:cNvPr>
+          <p:cNvSpPr>
+            <a:spLocks noGrp="1"/>
+          </p:cNvSpPr>
+          <p:nvPr>
+            <p:ph idx="1"/>
+          </p:nvPr>
+        </p:nvSpPr>
+        <p:spPr>
+          <a:xfrm>
+            <a:off x="700636" y="1946684"/>
+            <a:ext cx="10691264" cy="3982530"/>
+          </a:xfrm>
+        </p:spPr>
+        <p:txBody>
+          <a:bodyPr>
+            <a:normAutofit/>
+          </a:bodyPr>
+          <a:lstStyle/>
+          <a:p>
+            <a:pPr marL="0" indent="0">
+              <a:buNone/>
+            </a:pPr>
+            <a:r>
+              <a:rPr lang="es-ES" dirty="0"/>
+              <a:t>Debido a que </a:t>
+            </a:r>
+            <a:r>
+              <a:rPr lang="es-ES" dirty="0" err="1"/>
+              <a:t>NumPy</a:t>
+            </a:r>
+            <a:r>
+              <a:rPr lang="es-ES" dirty="0"/>
+              <a:t> está construido en C, los tipos que usan son familiares para los usuarios de C, Fortran y otros lenguajes relacionados:</a:t>
+            </a:r>
+          </a:p>
+        </p:txBody>
+      </p:sp>
+      <p:sp>
+        <p:nvSpPr>
+          <p:cNvPr id="3" name="Footer Placeholder 4">
+            <a:extLst>
+              <a:ext uri="{FF2B5EF4-FFF2-40B4-BE49-F238E27FC236}">
+                <a16:creationId xmlns:a16="http://schemas.microsoft.com/office/drawing/2014/main" id="{C73F7C93-E4E8-E8F7-B488-FA4C35AC8ECE}"/>
+              </a:ext>
+            </a:extLst>
+          </p:cNvPr>
+          <p:cNvSpPr>
+            <a:spLocks noGrp="1"/>
+          </p:cNvSpPr>
+          <p:nvPr>
+            <p:ph type="ftr" sz="quarter" idx="11"/>
+          </p:nvPr>
+        </p:nvSpPr>
+        <p:spPr>
+          <a:xfrm>
+            <a:off x="715383" y="6356350"/>
+            <a:ext cx="4539727" cy="365125"/>
+          </a:xfrm>
+        </p:spPr>
+        <p:txBody>
+          <a:bodyPr>
+            <a:normAutofit/>
+          </a:bodyPr>
+          <a:lstStyle/>
+          <a:p>
+            <a:pPr>
+              <a:spcAft>
+                <a:spcPts val="600"/>
+              </a:spcAft>
+            </a:pPr>
+            <a:r>
+              <a:rPr lang="es-ES_tradnl" dirty="0"/>
+              <a:t>Aprendizaje Automático – </a:t>
+            </a:r>
+            <a:r>
+              <a:rPr lang="es-ES_tradnl" dirty="0" err="1"/>
+              <a:t>CEIoT</a:t>
+            </a:r>
+            <a:r>
+              <a:rPr lang="es-ES_tradnl" dirty="0"/>
+              <a:t> – FIUBA</a:t>
+            </a:r>
+          </a:p>
+        </p:txBody>
+      </p:sp>
+      <p:sp>
+        <p:nvSpPr>
+          <p:cNvPr id="5" name="TextBox 4">
+            <a:extLst>
+              <a:ext uri="{FF2B5EF4-FFF2-40B4-BE49-F238E27FC236}">
+                <a16:creationId xmlns:a16="http://schemas.microsoft.com/office/drawing/2014/main" id="{14F24C69-55F1-4083-91DB-53542925A5C5}"/>
+              </a:ext>
+            </a:extLst>
+          </p:cNvPr>
+          <p:cNvSpPr txBox="1"/>
+          <p:nvPr/>
+        </p:nvSpPr>
+        <p:spPr>
+          <a:xfrm>
+            <a:off x="715383" y="1485018"/>
+            <a:ext cx="7666105" cy="461665"/>
+          </a:xfrm>
+          <a:prstGeom prst="rect">
+            <a:avLst/>
+          </a:prstGeom>
+          <a:noFill/>
+        </p:spPr>
+        <p:txBody>
+          <a:bodyPr wrap="square" rtlCol="0">
+            <a:spAutoFit/>
+          </a:bodyPr>
+          <a:lstStyle/>
+          <a:p>
+            <a:r>
+              <a:rPr lang="es-ES_tradnl" sz="2400" dirty="0">
+                <a:latin typeface="+mj-lt"/>
+              </a:rPr>
+              <a:t>Tipos de datos</a:t>
+            </a:r>
+          </a:p>
+        </p:txBody>
+      </p:sp>
+      <p:graphicFrame>
+        <p:nvGraphicFramePr>
+          <p:cNvPr id="7" name="Table 6">
+            <a:extLst>
+              <a:ext uri="{FF2B5EF4-FFF2-40B4-BE49-F238E27FC236}">
+                <a16:creationId xmlns:a16="http://schemas.microsoft.com/office/drawing/2014/main" id="{2125DED4-BFD7-7D28-6BC0-F50F36390F09}"/>
+              </a:ext>
+            </a:extLst>
+          </p:cNvPr>
+          <p:cNvGraphicFramePr>
+            <a:graphicFrameLocks noGrp="1"/>
+          </p:cNvGraphicFramePr>
+          <p:nvPr/>
+        </p:nvGraphicFramePr>
+        <p:xfrm>
+          <a:off x="1982267" y="3196269"/>
+          <a:ext cx="8128000" cy="1854200"/>
+        </p:xfrm>
+        <a:graphic>
+          <a:graphicData uri="http://schemas.openxmlformats.org/drawingml/2006/table">
+            <a:tbl>
+              <a:tblPr firstRow="1" bandRow="1">
+                <a:tableStyleId>{22838BEF-8BB2-4498-84A7-C5851F593DF1}</a:tableStyleId>
+              </a:tblPr>
+              <a:tblGrid>
+                <a:gridCol w="2032000">
+                  <a:extLst>
+                    <a:ext uri="{9D8B030D-6E8A-4147-A177-3AD203B41FA5}">
+                      <a16:colId xmlns:a16="http://schemas.microsoft.com/office/drawing/2014/main" val="1039431366"/>
+                    </a:ext>
+                  </a:extLst>
+                </a:gridCol>
+                <a:gridCol w="2032000">
+                  <a:extLst>
+                    <a:ext uri="{9D8B030D-6E8A-4147-A177-3AD203B41FA5}">
+                      <a16:colId xmlns:a16="http://schemas.microsoft.com/office/drawing/2014/main" val="619543565"/>
+                    </a:ext>
+                  </a:extLst>
+                </a:gridCol>
+                <a:gridCol w="2032000">
+                  <a:extLst>
+                    <a:ext uri="{9D8B030D-6E8A-4147-A177-3AD203B41FA5}">
+                      <a16:colId xmlns:a16="http://schemas.microsoft.com/office/drawing/2014/main" val="2181796476"/>
+                    </a:ext>
+                  </a:extLst>
+                </a:gridCol>
+                <a:gridCol w="2032000">
+                  <a:extLst>
+                    <a:ext uri="{9D8B030D-6E8A-4147-A177-3AD203B41FA5}">
+                      <a16:colId xmlns:a16="http://schemas.microsoft.com/office/drawing/2014/main" val="2372290238"/>
+                    </a:ext>
+                  </a:extLst>
+                </a:gridCol>
+              </a:tblGrid>
+              <a:tr h="370840">
+                <a:tc>
+                  <a:txBody>
+                    <a:bodyPr/>
+                    <a:lstStyle/>
+                    <a:p>
+                      <a:r>
+                        <a:rPr lang="es-ES_tradnl" b="0" dirty="0" err="1"/>
+                        <a:t>bool</a:t>
+                      </a:r>
+                      <a:r>
+                        <a:rPr lang="es-ES_tradnl" b="0" dirty="0"/>
+                        <a:t>_</a:t>
+                      </a:r>
+                    </a:p>
+                  </a:txBody>
+                  <a:tcPr/>
+                </a:tc>
+                <a:tc>
+                  <a:txBody>
+                    <a:bodyPr/>
+                    <a:lstStyle/>
+                    <a:p>
+                      <a:r>
+                        <a:rPr lang="es-ES_tradnl" b="0" dirty="0" err="1"/>
+                        <a:t>int</a:t>
+                      </a:r>
+                      <a:r>
+                        <a:rPr lang="es-ES_tradnl" b="0" dirty="0"/>
+                        <a:t>_</a:t>
+                      </a:r>
+                    </a:p>
+                  </a:txBody>
+                  <a:tcPr/>
+                </a:tc>
+                <a:tc>
+                  <a:txBody>
+                    <a:bodyPr/>
+                    <a:lstStyle/>
+                    <a:p>
+                      <a:r>
+                        <a:rPr lang="es-ES_tradnl" b="0" dirty="0" err="1"/>
+                        <a:t>intc</a:t>
+                      </a:r>
+                      <a:endParaRPr lang="es-ES_tradnl" b="0" dirty="0"/>
+                    </a:p>
+                  </a:txBody>
+                  <a:tcPr/>
+                </a:tc>
+                <a:tc>
+                  <a:txBody>
+                    <a:bodyPr/>
+                    <a:lstStyle/>
+                    <a:p>
+                      <a:r>
+                        <a:rPr lang="es-ES_tradnl" b="0" dirty="0" err="1"/>
+                        <a:t>intp</a:t>
+                      </a:r>
+                      <a:endParaRPr lang="es-ES_tradnl" b="0" dirty="0"/>
+                    </a:p>
+                  </a:txBody>
+                  <a:tcPr/>
+                </a:tc>
+                <a:extLst>
+                  <a:ext uri="{0D108BD9-81ED-4DB2-BD59-A6C34878D82A}">
+                    <a16:rowId xmlns:a16="http://schemas.microsoft.com/office/drawing/2014/main" val="1382292317"/>
+                  </a:ext>
+                </a:extLst>
+              </a:tr>
+              <a:tr h="370840">
+                <a:tc>
+                  <a:txBody>
+                    <a:bodyPr/>
+                    <a:lstStyle/>
+                    <a:p>
+                      <a:r>
+                        <a:rPr lang="es-ES_tradnl" dirty="0"/>
+                        <a:t>int8</a:t>
+                      </a:r>
+                    </a:p>
+                  </a:txBody>
+                  <a:tcPr/>
+                </a:tc>
+                <a:tc>
+                  <a:txBody>
+                    <a:bodyPr/>
+                    <a:lstStyle/>
+                    <a:p>
+                      <a:r>
+                        <a:rPr lang="es-ES_tradnl" dirty="0"/>
+                        <a:t>int16</a:t>
+                      </a:r>
+                    </a:p>
+                  </a:txBody>
+                  <a:tcPr/>
+                </a:tc>
+                <a:tc>
+                  <a:txBody>
+                    <a:bodyPr/>
+                    <a:lstStyle/>
+                    <a:p>
+                      <a:r>
+                        <a:rPr lang="es-ES_tradnl" dirty="0"/>
+                        <a:t>int32</a:t>
+                      </a:r>
+                    </a:p>
+                  </a:txBody>
+                  <a:tcPr/>
+                </a:tc>
+                <a:tc>
+                  <a:txBody>
+                    <a:bodyPr/>
+                    <a:lstStyle/>
+                    <a:p>
+                      <a:r>
+                        <a:rPr lang="es-ES_tradnl" dirty="0"/>
+                        <a:t>int64</a:t>
+                      </a:r>
+                    </a:p>
+                  </a:txBody>
+                  <a:tcPr/>
+                </a:tc>
+                <a:extLst>
+                  <a:ext uri="{0D108BD9-81ED-4DB2-BD59-A6C34878D82A}">
+                    <a16:rowId xmlns:a16="http://schemas.microsoft.com/office/drawing/2014/main" val="3633279099"/>
+                  </a:ext>
+                </a:extLst>
+              </a:tr>
+              <a:tr h="370840">
+                <a:tc>
+                  <a:txBody>
+                    <a:bodyPr/>
+                    <a:lstStyle/>
+                    <a:p>
+                      <a:r>
+                        <a:rPr lang="es-ES_tradnl" dirty="0"/>
+                        <a:t>uint8</a:t>
+                      </a:r>
+                    </a:p>
+                  </a:txBody>
+                  <a:tcPr/>
+                </a:tc>
+                <a:tc>
+                  <a:txBody>
+                    <a:bodyPr/>
+                    <a:lstStyle/>
+                    <a:p>
+                      <a:r>
+                        <a:rPr lang="es-ES_tradnl" dirty="0"/>
+                        <a:t>uint16</a:t>
+                      </a:r>
+                    </a:p>
+                  </a:txBody>
+                  <a:tcPr/>
+                </a:tc>
+                <a:tc>
+                  <a:txBody>
+                    <a:bodyPr/>
+                    <a:lstStyle/>
+                    <a:p>
+                      <a:r>
+                        <a:rPr lang="es-ES_tradnl" dirty="0"/>
+                        <a:t>uint32</a:t>
+                      </a:r>
+                    </a:p>
+                  </a:txBody>
+                  <a:tcPr/>
+                </a:tc>
+                <a:tc>
+                  <a:txBody>
+                    <a:bodyPr/>
+                    <a:lstStyle/>
+                    <a:p>
+                      <a:r>
+                        <a:rPr lang="es-ES_tradnl" dirty="0"/>
+                        <a:t>uint64</a:t>
+                      </a:r>
+                    </a:p>
+                  </a:txBody>
+                  <a:tcPr/>
+                </a:tc>
+                <a:extLst>
+                  <a:ext uri="{0D108BD9-81ED-4DB2-BD59-A6C34878D82A}">
+                    <a16:rowId xmlns:a16="http://schemas.microsoft.com/office/drawing/2014/main" val="3744325971"/>
+                  </a:ext>
+                </a:extLst>
+              </a:tr>
+              <a:tr h="370840">
+                <a:tc>
+                  <a:txBody>
+                    <a:bodyPr/>
+                    <a:lstStyle/>
+                    <a:p>
+                      <a:r>
+                        <a:rPr lang="es-ES_tradnl" dirty="0" err="1"/>
+                        <a:t>float</a:t>
+                      </a:r>
+                      <a:r>
+                        <a:rPr lang="es-ES_tradnl" dirty="0"/>
+                        <a:t>_</a:t>
+                      </a:r>
+                    </a:p>
+                  </a:txBody>
+                  <a:tcPr/>
+                </a:tc>
+                <a:tc>
+                  <a:txBody>
+                    <a:bodyPr/>
+                    <a:lstStyle/>
+                    <a:p>
+                      <a:r>
+                        <a:rPr lang="es-ES_tradnl" dirty="0"/>
+                        <a:t>float16</a:t>
+                      </a:r>
+                    </a:p>
+                  </a:txBody>
+                  <a:tcPr/>
+                </a:tc>
+                <a:tc>
+                  <a:txBody>
+                    <a:bodyPr/>
+                    <a:lstStyle/>
+                    <a:p>
+                      <a:r>
+                        <a:rPr lang="es-ES_tradnl" dirty="0"/>
+                        <a:t>float32</a:t>
+                      </a:r>
+                    </a:p>
+                  </a:txBody>
+                  <a:tcPr/>
+                </a:tc>
+                <a:tc>
+                  <a:txBody>
+                    <a:bodyPr/>
+                    <a:lstStyle/>
+                    <a:p>
+                      <a:r>
+                        <a:rPr lang="es-ES_tradnl" dirty="0"/>
+                        <a:t>float64</a:t>
+                      </a:r>
+                    </a:p>
+                  </a:txBody>
+                  <a:tcPr/>
+                </a:tc>
+                <a:extLst>
+                  <a:ext uri="{0D108BD9-81ED-4DB2-BD59-A6C34878D82A}">
+                    <a16:rowId xmlns:a16="http://schemas.microsoft.com/office/drawing/2014/main" val="3126596712"/>
+                  </a:ext>
+                </a:extLst>
+              </a:tr>
+              <a:tr h="370840">
+                <a:tc>
+                  <a:txBody>
+                    <a:bodyPr/>
+                    <a:lstStyle/>
+                    <a:p>
+                      <a:r>
+                        <a:rPr lang="es-ES_tradnl" dirty="0" err="1"/>
+                        <a:t>complex</a:t>
+                      </a:r>
+                      <a:r>
+                        <a:rPr lang="es-ES_tradnl" dirty="0"/>
+                        <a:t>_</a:t>
+                      </a:r>
+                    </a:p>
+                  </a:txBody>
+                  <a:tcPr/>
+                </a:tc>
+                <a:tc>
+                  <a:txBody>
+                    <a:bodyPr/>
+                    <a:lstStyle/>
+                    <a:p>
+                      <a:r>
+                        <a:rPr lang="es-ES_tradnl" dirty="0"/>
+                        <a:t>complex64</a:t>
+                      </a:r>
+                    </a:p>
+                  </a:txBody>
+                  <a:tcPr/>
+                </a:tc>
+                <a:tc>
+                  <a:txBody>
+                    <a:bodyPr/>
+                    <a:lstStyle/>
+                    <a:p>
+                      <a:r>
+                        <a:rPr lang="es-ES_tradnl" dirty="0"/>
+                        <a:t>complex128</a:t>
+                      </a:r>
+                    </a:p>
+                  </a:txBody>
+                  <a:tcPr/>
+                </a:tc>
+                <a:tc>
+                  <a:txBody>
+                    <a:bodyPr/>
+                    <a:lstStyle/>
+                    <a:p>
+                      <a:endParaRPr lang="es-ES_tradnl" dirty="0"/>
+                    </a:p>
+                  </a:txBody>
+                  <a:tcPr/>
+                </a:tc>
+                <a:extLst>
+                  <a:ext uri="{0D108BD9-81ED-4DB2-BD59-A6C34878D82A}">
+                    <a16:rowId xmlns:a16="http://schemas.microsoft.com/office/drawing/2014/main" val="2130439532"/>
+                  </a:ext>
+                </a:extLst>
+              </a:tr>
+            </a:tbl>
+          </a:graphicData>
+        </a:graphic>
+      </p:graphicFrame>
+    </p:spTree>
+    <p:extLst>
+      <p:ext uri="{BB962C8B-B14F-4D97-AF65-F5344CB8AC3E}">
+        <p14:creationId xmlns:p14="http://schemas.microsoft.com/office/powerpoint/2010/main" val="1095767398"/>
+      </p:ext>
+    </p:extLst>
+  </p:cSld>
+  <p:clrMapOvr>
+    <a:masterClrMapping/>
+  </p:clrMapOvr>
+</p:sld>
+</file>
+
+<file path=ppt/slides/slide8.xml><?xml version="1.0" encoding="utf-8"?>
+<p:sld xmlns:a="http://schemas.openxmlformats.org/drawingml/2006/main" xmlns:r="http://schemas.openxmlformats.org/officeDocument/2006/relationships" xmlns:p="http://schemas.openxmlformats.org/presentationml/2006/main">
+  <p:cSld>
+    <p:spTree>
+      <p:nvGrpSpPr>
+        <p:cNvPr id="1" name="">
+          <a:extLst>
+            <a:ext uri="{FF2B5EF4-FFF2-40B4-BE49-F238E27FC236}">
+              <a16:creationId xmlns:a16="http://schemas.microsoft.com/office/drawing/2014/main" id="{AF59173B-8E24-E73E-3A7D-033290DC2223}"/>
+            </a:ext>
+          </a:extLst>
+        </p:cNvPr>
+        <p:cNvGrpSpPr/>
+        <p:nvPr/>
+      </p:nvGrpSpPr>
+      <p:grpSpPr>
+        <a:xfrm>
+          <a:off x="0" y="0"/>
+          <a:ext cx="0" cy="0"/>
+          <a:chOff x="0" y="0"/>
+          <a:chExt cx="0" cy="0"/>
+        </a:xfrm>
+      </p:grpSpPr>
+      <p:sp>
+        <p:nvSpPr>
+          <p:cNvPr id="2" name="Title 1">
+            <a:extLst>
+              <a:ext uri="{FF2B5EF4-FFF2-40B4-BE49-F238E27FC236}">
+                <a16:creationId xmlns:a16="http://schemas.microsoft.com/office/drawing/2014/main" id="{D37CEA73-42AB-D36F-CBA8-2FE7B30FB22D}"/>
+              </a:ext>
+            </a:extLst>
+          </p:cNvPr>
+          <p:cNvSpPr>
+            <a:spLocks noGrp="1"/>
+          </p:cNvSpPr>
+          <p:nvPr>
+            <p:ph type="title"/>
+          </p:nvPr>
+        </p:nvSpPr>
+        <p:spPr>
+          <a:xfrm>
+            <a:off x="700635" y="922096"/>
+            <a:ext cx="10691265" cy="688990"/>
+          </a:xfrm>
+        </p:spPr>
+        <p:txBody>
+          <a:bodyPr>
+            <a:normAutofit fontScale="90000"/>
+          </a:bodyPr>
+          <a:lstStyle/>
+          <a:p>
+            <a:r>
+              <a:rPr lang="es-ES_tradnl" dirty="0" err="1"/>
+              <a:t>Numpy</a:t>
+            </a:r>
+            <a:endParaRPr lang="es-ES_tradnl" dirty="0"/>
+          </a:p>
+        </p:txBody>
+      </p:sp>
+      <p:sp>
+        <p:nvSpPr>
+          <p:cNvPr id="6" name="Slide Number Placeholder 5">
+            <a:extLst>
+              <a:ext uri="{FF2B5EF4-FFF2-40B4-BE49-F238E27FC236}">
+                <a16:creationId xmlns:a16="http://schemas.microsoft.com/office/drawing/2014/main" id="{B702B414-33DF-9B3A-1F72-21F5DF0F4107}"/>
+              </a:ext>
+            </a:extLst>
+          </p:cNvPr>
+          <p:cNvSpPr>
+            <a:spLocks noGrp="1"/>
+          </p:cNvSpPr>
+          <p:nvPr>
+            <p:ph type="sldNum" sz="quarter" idx="12"/>
+          </p:nvPr>
+        </p:nvSpPr>
+        <p:spPr/>
+        <p:txBody>
+          <a:bodyPr/>
+          <a:lstStyle/>
+          <a:p>
+            <a:fld id="{87E7843D-FF13-4365-9478-9625B70A2705}" type="slidenum">
+              <a:rPr lang="en-US" smtClean="0"/>
+              <a:t>8</a:t>
+            </a:fld>
+            <a:endParaRPr lang="en-US"/>
+          </a:p>
+        </p:txBody>
+      </p:sp>
+      <p:sp>
+        <p:nvSpPr>
+          <p:cNvPr id="4" name="Content Placeholder 3">
+            <a:extLst>
+              <a:ext uri="{FF2B5EF4-FFF2-40B4-BE49-F238E27FC236}">
+                <a16:creationId xmlns:a16="http://schemas.microsoft.com/office/drawing/2014/main" id="{3C2FD977-49FE-F434-2742-D341835B5FD1}"/>
+              </a:ext>
+            </a:extLst>
+          </p:cNvPr>
+          <p:cNvSpPr>
+            <a:spLocks noGrp="1"/>
+          </p:cNvSpPr>
+          <p:nvPr>
+            <p:ph idx="1"/>
+          </p:nvPr>
+        </p:nvSpPr>
+        <p:spPr>
+          <a:xfrm>
+            <a:off x="700636" y="1946684"/>
+            <a:ext cx="10691264" cy="3982530"/>
+          </a:xfrm>
+        </p:spPr>
+        <p:txBody>
+          <a:bodyPr>
+            <a:normAutofit/>
+          </a:bodyPr>
+          <a:lstStyle/>
+          <a:p>
+            <a:pPr marL="0" indent="0">
+              <a:buNone/>
+            </a:pPr>
+            <a:r>
+              <a:rPr lang="es-ES" dirty="0"/>
+              <a:t>Los </a:t>
+            </a:r>
+            <a:r>
+              <a:rPr lang="es-ES" dirty="0" err="1"/>
+              <a:t>arrays</a:t>
+            </a:r>
+            <a:r>
+              <a:rPr lang="es-ES" dirty="0"/>
+              <a:t> en </a:t>
+            </a:r>
+            <a:r>
+              <a:rPr lang="es-ES" dirty="0" err="1"/>
+              <a:t>NumPy</a:t>
+            </a:r>
+            <a:r>
+              <a:rPr lang="es-ES" dirty="0"/>
+              <a:t>, </a:t>
+            </a:r>
+            <a:r>
+              <a:rPr lang="es-ES" i="1" dirty="0"/>
+              <a:t>dado que todo es un objeto</a:t>
+            </a:r>
+            <a:r>
+              <a:rPr lang="es-ES" dirty="0"/>
+              <a:t>, tiene atributos que podemos aprovechar como:</a:t>
+            </a:r>
+          </a:p>
+          <a:p>
+            <a:pPr marL="0" indent="0">
+              <a:buNone/>
+            </a:pPr>
+            <a:endParaRPr lang="es-ES" dirty="0"/>
+          </a:p>
+          <a:p>
+            <a:pPr marL="0" indent="0">
+              <a:buNone/>
+            </a:pPr>
+            <a:endParaRPr lang="es-ES" dirty="0"/>
+          </a:p>
+          <a:p>
+            <a:pPr marL="0" indent="0">
+              <a:buNone/>
+            </a:pPr>
+            <a:endParaRPr lang="es-ES" dirty="0"/>
+          </a:p>
+          <a:p>
+            <a:pPr marL="0" indent="0">
+              <a:buNone/>
+            </a:pPr>
+            <a:endParaRPr lang="es-ES" dirty="0"/>
+          </a:p>
+          <a:p>
+            <a:pPr marL="0" indent="0">
+              <a:buNone/>
+            </a:pPr>
+            <a:endParaRPr lang="es-ES" dirty="0"/>
+          </a:p>
+          <a:p>
+            <a:pPr marL="0" indent="0">
+              <a:buNone/>
+            </a:pPr>
+            <a:endParaRPr lang="es-ES" dirty="0"/>
+          </a:p>
+          <a:p>
+            <a:pPr marL="0" indent="0">
+              <a:buNone/>
+            </a:pPr>
+            <a:r>
+              <a:rPr lang="es-ES" dirty="0"/>
+              <a:t>Si desean profundizar en </a:t>
+            </a:r>
+            <a:r>
+              <a:rPr lang="es-ES" dirty="0" err="1"/>
+              <a:t>NumPy</a:t>
+            </a:r>
+            <a:r>
+              <a:rPr lang="es-ES" dirty="0"/>
+              <a:t>, seguir en </a:t>
+            </a:r>
+            <a:r>
+              <a:rPr lang="es-ES" dirty="0">
+                <a:hlinkClick r:id="rId3"/>
+              </a:rPr>
+              <a:t>capítulo 2</a:t>
+            </a:r>
+            <a:r>
+              <a:rPr lang="es-ES" dirty="0"/>
+              <a:t> de Python Data </a:t>
+            </a:r>
+            <a:r>
+              <a:rPr lang="es-ES" dirty="0" err="1"/>
+              <a:t>Science</a:t>
+            </a:r>
+            <a:r>
+              <a:rPr lang="es-ES" dirty="0"/>
+              <a:t>.</a:t>
+            </a:r>
+          </a:p>
+        </p:txBody>
+      </p:sp>
+      <p:sp>
+        <p:nvSpPr>
+          <p:cNvPr id="3" name="Footer Placeholder 4">
+            <a:extLst>
+              <a:ext uri="{FF2B5EF4-FFF2-40B4-BE49-F238E27FC236}">
+                <a16:creationId xmlns:a16="http://schemas.microsoft.com/office/drawing/2014/main" id="{C73F7C93-E4E8-E8F7-B488-FA4C35AC8ECE}"/>
+              </a:ext>
+            </a:extLst>
+          </p:cNvPr>
+          <p:cNvSpPr>
+            <a:spLocks noGrp="1"/>
+          </p:cNvSpPr>
+          <p:nvPr>
+            <p:ph type="ftr" sz="quarter" idx="11"/>
+          </p:nvPr>
+        </p:nvSpPr>
+        <p:spPr>
+          <a:xfrm>
+            <a:off x="715383" y="6356350"/>
+            <a:ext cx="4539727" cy="365125"/>
+          </a:xfrm>
+        </p:spPr>
+        <p:txBody>
+          <a:bodyPr>
+            <a:normAutofit/>
+          </a:bodyPr>
+          <a:lstStyle/>
+          <a:p>
+            <a:pPr>
+              <a:spcAft>
+                <a:spcPts val="600"/>
+              </a:spcAft>
+            </a:pPr>
+            <a:r>
+              <a:rPr lang="es-ES_tradnl" dirty="0"/>
+              <a:t>Aprendizaje Automático – </a:t>
+            </a:r>
+            <a:r>
+              <a:rPr lang="es-ES_tradnl" dirty="0" err="1"/>
+              <a:t>CEIoT</a:t>
+            </a:r>
+            <a:r>
+              <a:rPr lang="es-ES_tradnl" dirty="0"/>
+              <a:t> – FIUBA</a:t>
+            </a:r>
+          </a:p>
+        </p:txBody>
+      </p:sp>
+      <p:sp>
+        <p:nvSpPr>
+          <p:cNvPr id="5" name="TextBox 4">
+            <a:extLst>
+              <a:ext uri="{FF2B5EF4-FFF2-40B4-BE49-F238E27FC236}">
+                <a16:creationId xmlns:a16="http://schemas.microsoft.com/office/drawing/2014/main" id="{14F24C69-55F1-4083-91DB-53542925A5C5}"/>
+              </a:ext>
+            </a:extLst>
+          </p:cNvPr>
+          <p:cNvSpPr txBox="1"/>
+          <p:nvPr/>
+        </p:nvSpPr>
+        <p:spPr>
+          <a:xfrm>
+            <a:off x="715383" y="1485018"/>
+            <a:ext cx="7666105" cy="461665"/>
+          </a:xfrm>
+          <a:prstGeom prst="rect">
+            <a:avLst/>
+          </a:prstGeom>
+          <a:noFill/>
+        </p:spPr>
+        <p:txBody>
+          <a:bodyPr wrap="square" rtlCol="0">
+            <a:spAutoFit/>
+          </a:bodyPr>
+          <a:lstStyle/>
+          <a:p>
+            <a:r>
+              <a:rPr lang="es-ES_tradnl" sz="2400" dirty="0">
+                <a:latin typeface="+mj-lt"/>
+              </a:rPr>
+              <a:t>Atributos</a:t>
+            </a:r>
+          </a:p>
+        </p:txBody>
+      </p:sp>
+      <p:pic>
+        <p:nvPicPr>
+          <p:cNvPr id="9" name="Picture 8" descr="A screenshot of a computer program&#10;&#10;Description automatically generated">
+            <a:extLst>
+              <a:ext uri="{FF2B5EF4-FFF2-40B4-BE49-F238E27FC236}">
+                <a16:creationId xmlns:a16="http://schemas.microsoft.com/office/drawing/2014/main" id="{04DA7193-B4BE-A03F-AB00-7A692EC19801}"/>
+              </a:ext>
+            </a:extLst>
+          </p:cNvPr>
+          <p:cNvPicPr>
+            <a:picLocks noChangeAspect="1"/>
+          </p:cNvPicPr>
+          <p:nvPr/>
+        </p:nvPicPr>
+        <p:blipFill>
+          <a:blip r:embed="rId4"/>
+          <a:stretch>
+            <a:fillRect/>
+          </a:stretch>
+        </p:blipFill>
+        <p:spPr>
+          <a:xfrm>
+            <a:off x="3888155" y="2282281"/>
+            <a:ext cx="5207000" cy="2895600"/>
+          </a:xfrm>
+          <a:prstGeom prst="rect">
+            <a:avLst/>
+          </a:prstGeom>
+        </p:spPr>
+      </p:pic>
+    </p:spTree>
+    <p:extLst>
+      <p:ext uri="{BB962C8B-B14F-4D97-AF65-F5344CB8AC3E}">
+        <p14:creationId xmlns:p14="http://schemas.microsoft.com/office/powerpoint/2010/main" val="809886428"/>
+      </p:ext>
+    </p:extLst>
+  </p:cSld>
+  <p:clrMapOvr>
+    <a:masterClrMapping/>
+  </p:clrMapOvr>
+</p:sld>
+</file>
+
+<file path=ppt/slides/slide9.xml><?xml version="1.0" encoding="utf-8"?>
 <p:sld xmlns:a="http://schemas.openxmlformats.org/drawingml/2006/main" xmlns:r="http://schemas.openxmlformats.org/officeDocument/2006/relationships" xmlns:p="http://schemas.openxmlformats.org/presentationml/2006/main">
   <p:cSld>
     <p:bg>
@@ -9450,7 +12385,7 @@
                   <a:schemeClr val="bg1"/>
                 </a:solidFill>
               </a:rPr>
-              <a:t>Operando con Pandas</a:t>
+              <a:t>Estructura de Datos de Pandas</a:t>
             </a:r>
           </a:p>
         </p:txBody>
@@ -9487,628 +12422,7 @@
     </p:spTree>
     <p:extLst>
       <p:ext uri="{BB962C8B-B14F-4D97-AF65-F5344CB8AC3E}">
-        <p14:creationId xmlns:p14="http://schemas.microsoft.com/office/powerpoint/2010/main" val="1856895848"/>
-      </p:ext>
-    </p:extLst>
-  </p:cSld>
-  <p:clrMapOvr>
-    <a:masterClrMapping/>
-  </p:clrMapOvr>
-  <p:timing>
-    <p:tnLst>
-      <p:par>
-        <p:cTn id="1" dur="indefinite" restart="never" nodeType="tmRoot">
-          <p:childTnLst>
-            <p:seq concurrent="1" nextAc="seek">
-              <p:cTn id="2" dur="indefinite" nodeType="mainSeq">
-                <p:childTnLst>
-                  <p:par>
-                    <p:cTn id="3" fill="hold">
-                      <p:stCondLst>
-                        <p:cond delay="indefinite"/>
-                        <p:cond evt="onBegin" delay="0">
-                          <p:tn val="2"/>
-                        </p:cond>
-                      </p:stCondLst>
-                      <p:childTnLst>
-                        <p:par>
-                          <p:cTn id="4" fill="hold">
-                            <p:stCondLst>
-                              <p:cond delay="0"/>
-                            </p:stCondLst>
-                            <p:childTnLst>
-                              <p:par>
-                                <p:cTn id="5" presetID="10" presetClass="entr" presetSubtype="0" fill="hold" grpId="0" nodeType="withEffect">
-                                  <p:stCondLst>
-                                    <p:cond delay="1000"/>
-                                  </p:stCondLst>
-                                  <p:iterate type="lt">
-                                    <p:tmPct val="10000"/>
-                                  </p:iterate>
-                                  <p:childTnLst>
-                                    <p:set>
-                                      <p:cBhvr>
-                                        <p:cTn id="6" dur="1" fill="hold">
-                                          <p:stCondLst>
-                                            <p:cond delay="0"/>
-                                          </p:stCondLst>
-                                        </p:cTn>
-                                        <p:tgtEl>
-                                          <p:spTgt spid="2"/>
-                                        </p:tgtEl>
-                                        <p:attrNameLst>
-                                          <p:attrName>style.visibility</p:attrName>
-                                        </p:attrNameLst>
-                                      </p:cBhvr>
-                                      <p:to>
-                                        <p:strVal val="visible"/>
-                                      </p:to>
-                                    </p:set>
-                                    <p:animEffect transition="in" filter="fade">
-                                      <p:cBhvr>
-                                        <p:cTn id="7" dur="400"/>
-                                        <p:tgtEl>
-                                          <p:spTgt spid="2"/>
-                                        </p:tgtEl>
-                                      </p:cBhvr>
-                                    </p:animEffect>
-                                  </p:childTnLst>
-                                </p:cTn>
-                              </p:par>
-                            </p:childTnLst>
-                          </p:cTn>
-                        </p:par>
-                      </p:childTnLst>
-                    </p:cTn>
-                  </p:par>
-                </p:childTnLst>
-              </p:cTn>
-              <p:prevCondLst>
-                <p:cond evt="onPrev" delay="0">
-                  <p:tgtEl>
-                    <p:sldTgt/>
-                  </p:tgtEl>
-                </p:cond>
-              </p:prevCondLst>
-              <p:nextCondLst>
-                <p:cond evt="onNext" delay="0">
-                  <p:tgtEl>
-                    <p:sldTgt/>
-                  </p:tgtEl>
-                </p:cond>
-              </p:nextCondLst>
-            </p:seq>
-          </p:childTnLst>
-        </p:cTn>
-      </p:par>
-    </p:tnLst>
-    <p:bldLst>
-      <p:bldP spid="2" grpId="0"/>
-    </p:bldLst>
-  </p:timing>
-</p:sld>
-</file>
-
-<file path=ppt/slides/slide8.xml><?xml version="1.0" encoding="utf-8"?>
-<p:sld xmlns:a="http://schemas.openxmlformats.org/drawingml/2006/main" xmlns:r="http://schemas.openxmlformats.org/officeDocument/2006/relationships" xmlns:p="http://schemas.openxmlformats.org/presentationml/2006/main">
-  <p:cSld>
-    <p:spTree>
-      <p:nvGrpSpPr>
-        <p:cNvPr id="1" name="">
-          <a:extLst>
-            <a:ext uri="{FF2B5EF4-FFF2-40B4-BE49-F238E27FC236}">
-              <a16:creationId xmlns:a16="http://schemas.microsoft.com/office/drawing/2014/main" id="{AF59173B-8E24-E73E-3A7D-033290DC2223}"/>
-            </a:ext>
-          </a:extLst>
-        </p:cNvPr>
-        <p:cNvGrpSpPr/>
-        <p:nvPr/>
-      </p:nvGrpSpPr>
-      <p:grpSpPr>
-        <a:xfrm>
-          <a:off x="0" y="0"/>
-          <a:ext cx="0" cy="0"/>
-          <a:chOff x="0" y="0"/>
-          <a:chExt cx="0" cy="0"/>
-        </a:xfrm>
-      </p:grpSpPr>
-      <p:sp>
-        <p:nvSpPr>
-          <p:cNvPr id="2" name="Title 1">
-            <a:extLst>
-              <a:ext uri="{FF2B5EF4-FFF2-40B4-BE49-F238E27FC236}">
-                <a16:creationId xmlns:a16="http://schemas.microsoft.com/office/drawing/2014/main" id="{D37CEA73-42AB-D36F-CBA8-2FE7B30FB22D}"/>
-              </a:ext>
-            </a:extLst>
-          </p:cNvPr>
-          <p:cNvSpPr>
-            <a:spLocks noGrp="1"/>
-          </p:cNvSpPr>
-          <p:nvPr>
-            <p:ph type="title"/>
-          </p:nvPr>
-        </p:nvSpPr>
-        <p:spPr>
-          <a:xfrm>
-            <a:off x="700635" y="922096"/>
-            <a:ext cx="10691265" cy="688990"/>
-          </a:xfrm>
-        </p:spPr>
-        <p:txBody>
-          <a:bodyPr>
-            <a:normAutofit fontScale="90000"/>
-          </a:bodyPr>
-          <a:lstStyle/>
-          <a:p>
-            <a:r>
-              <a:rPr lang="es-ES_tradnl" dirty="0"/>
-              <a:t>Operando con Pandas</a:t>
-            </a:r>
-          </a:p>
-        </p:txBody>
-      </p:sp>
-      <p:sp>
-        <p:nvSpPr>
-          <p:cNvPr id="6" name="Slide Number Placeholder 5">
-            <a:extLst>
-              <a:ext uri="{FF2B5EF4-FFF2-40B4-BE49-F238E27FC236}">
-                <a16:creationId xmlns:a16="http://schemas.microsoft.com/office/drawing/2014/main" id="{B702B414-33DF-9B3A-1F72-21F5DF0F4107}"/>
-              </a:ext>
-            </a:extLst>
-          </p:cNvPr>
-          <p:cNvSpPr>
-            <a:spLocks noGrp="1"/>
-          </p:cNvSpPr>
-          <p:nvPr>
-            <p:ph type="sldNum" sz="quarter" idx="12"/>
-          </p:nvPr>
-        </p:nvSpPr>
-        <p:spPr/>
-        <p:txBody>
-          <a:bodyPr/>
-          <a:lstStyle/>
-          <a:p>
-            <a:fld id="{87E7843D-FF13-4365-9478-9625B70A2705}" type="slidenum">
-              <a:rPr lang="en-US" smtClean="0"/>
-              <a:t>8</a:t>
-            </a:fld>
-            <a:endParaRPr lang="en-US"/>
-          </a:p>
-        </p:txBody>
-      </p:sp>
-      <p:sp>
-        <p:nvSpPr>
-          <p:cNvPr id="4" name="Content Placeholder 3">
-            <a:extLst>
-              <a:ext uri="{FF2B5EF4-FFF2-40B4-BE49-F238E27FC236}">
-                <a16:creationId xmlns:a16="http://schemas.microsoft.com/office/drawing/2014/main" id="{3C2FD977-49FE-F434-2742-D341835B5FD1}"/>
-              </a:ext>
-            </a:extLst>
-          </p:cNvPr>
-          <p:cNvSpPr>
-            <a:spLocks noGrp="1"/>
-          </p:cNvSpPr>
-          <p:nvPr>
-            <p:ph idx="1"/>
-          </p:nvPr>
-        </p:nvSpPr>
-        <p:spPr>
-          <a:xfrm>
-            <a:off x="700636" y="1672046"/>
-            <a:ext cx="10691264" cy="4257168"/>
-          </a:xfrm>
-        </p:spPr>
-        <p:txBody>
-          <a:bodyPr>
-            <a:normAutofit/>
-          </a:bodyPr>
-          <a:lstStyle/>
-          <a:p>
-            <a:pPr marL="0" indent="0">
-              <a:buNone/>
-            </a:pPr>
-            <a:r>
-              <a:rPr lang="es-ES" dirty="0"/>
-              <a:t>Una de las partes principales de </a:t>
-            </a:r>
-            <a:r>
-              <a:rPr lang="es-ES" dirty="0" err="1"/>
-              <a:t>NumPy</a:t>
-            </a:r>
-            <a:r>
-              <a:rPr lang="es-ES" dirty="0"/>
-              <a:t> es la capacidad de realizar operaciones rápidas elemento por elemento, tanto con aritmética básica como con operaciones más sofisticadas </a:t>
-            </a:r>
-          </a:p>
-          <a:p>
-            <a:pPr marL="0" indent="0">
-              <a:buNone/>
-            </a:pPr>
-            <a:r>
-              <a:rPr lang="es-ES" dirty="0"/>
-              <a:t>Pandas hereda gran parte de esta funcionalidad de </a:t>
-            </a:r>
-            <a:r>
-              <a:rPr lang="es-ES" dirty="0" err="1"/>
-              <a:t>NumPy</a:t>
-            </a:r>
-            <a:r>
-              <a:rPr lang="es-ES" dirty="0"/>
-              <a:t>.</a:t>
-            </a:r>
-          </a:p>
-          <a:p>
-            <a:pPr marL="0" indent="0">
-              <a:buNone/>
-            </a:pPr>
-            <a:endParaRPr lang="es-ES" dirty="0"/>
-          </a:p>
-          <a:p>
-            <a:pPr marL="0" indent="0">
-              <a:buNone/>
-            </a:pPr>
-            <a:endParaRPr lang="es-ES" sz="1600" dirty="0"/>
-          </a:p>
-        </p:txBody>
-      </p:sp>
-      <p:sp>
-        <p:nvSpPr>
-          <p:cNvPr id="3" name="Footer Placeholder 4">
-            <a:extLst>
-              <a:ext uri="{FF2B5EF4-FFF2-40B4-BE49-F238E27FC236}">
-                <a16:creationId xmlns:a16="http://schemas.microsoft.com/office/drawing/2014/main" id="{C73F7C93-E4E8-E8F7-B488-FA4C35AC8ECE}"/>
-              </a:ext>
-            </a:extLst>
-          </p:cNvPr>
-          <p:cNvSpPr>
-            <a:spLocks noGrp="1"/>
-          </p:cNvSpPr>
-          <p:nvPr>
-            <p:ph type="ftr" sz="quarter" idx="11"/>
-          </p:nvPr>
-        </p:nvSpPr>
-        <p:spPr>
-          <a:xfrm>
-            <a:off x="715383" y="6356350"/>
-            <a:ext cx="4539727" cy="365125"/>
-          </a:xfrm>
-        </p:spPr>
-        <p:txBody>
-          <a:bodyPr>
-            <a:normAutofit/>
-          </a:bodyPr>
-          <a:lstStyle/>
-          <a:p>
-            <a:pPr>
-              <a:spcAft>
-                <a:spcPts val="600"/>
-              </a:spcAft>
-            </a:pPr>
-            <a:r>
-              <a:rPr lang="es-ES_tradnl" dirty="0"/>
-              <a:t>Aprendizaje Automático – </a:t>
-            </a:r>
-            <a:r>
-              <a:rPr lang="es-ES_tradnl" dirty="0" err="1"/>
-              <a:t>CEIoT</a:t>
-            </a:r>
-            <a:r>
-              <a:rPr lang="es-ES_tradnl" dirty="0"/>
-              <a:t> – FIUBA</a:t>
-            </a:r>
-          </a:p>
-        </p:txBody>
-      </p:sp>
-    </p:spTree>
-    <p:extLst>
-      <p:ext uri="{BB962C8B-B14F-4D97-AF65-F5344CB8AC3E}">
-        <p14:creationId xmlns:p14="http://schemas.microsoft.com/office/powerpoint/2010/main" val="2393571059"/>
-      </p:ext>
-    </p:extLst>
-  </p:cSld>
-  <p:clrMapOvr>
-    <a:masterClrMapping/>
-  </p:clrMapOvr>
-</p:sld>
-</file>
-
-<file path=ppt/slides/slide9.xml><?xml version="1.0" encoding="utf-8"?>
-<p:sld xmlns:a="http://schemas.openxmlformats.org/drawingml/2006/main" xmlns:r="http://schemas.openxmlformats.org/officeDocument/2006/relationships" xmlns:p="http://schemas.openxmlformats.org/presentationml/2006/main">
-  <p:cSld>
-    <p:bg>
-      <p:bgPr>
-        <a:solidFill>
-          <a:schemeClr val="bg1"/>
-        </a:solidFill>
-        <a:effectLst/>
-      </p:bgPr>
-    </p:bg>
-    <p:spTree>
-      <p:nvGrpSpPr>
-        <p:cNvPr id="1" name="">
-          <a:extLst>
-            <a:ext uri="{FF2B5EF4-FFF2-40B4-BE49-F238E27FC236}">
-              <a16:creationId xmlns:a16="http://schemas.microsoft.com/office/drawing/2014/main" id="{F94BECB4-F27B-1CC7-39C4-7E93D59BFB2D}"/>
-            </a:ext>
-          </a:extLst>
-        </p:cNvPr>
-        <p:cNvGrpSpPr/>
-        <p:nvPr/>
-      </p:nvGrpSpPr>
-      <p:grpSpPr>
-        <a:xfrm>
-          <a:off x="0" y="0"/>
-          <a:ext cx="0" cy="0"/>
-          <a:chOff x="0" y="0"/>
-          <a:chExt cx="0" cy="0"/>
-        </a:xfrm>
-      </p:grpSpPr>
-      <p:sp useBgFill="1">
-        <p:nvSpPr>
-          <p:cNvPr id="9" name="Rectangle 8">
-            <a:extLst>
-              <a:ext uri="{FF2B5EF4-FFF2-40B4-BE49-F238E27FC236}">
-                <a16:creationId xmlns:a16="http://schemas.microsoft.com/office/drawing/2014/main" id="{33E93247-6229-44AB-A550-739E971E690B}"/>
-              </a:ext>
-              <a:ext uri="{C183D7F6-B498-43B3-948B-1728B52AA6E4}">
-                <adec:decorative xmlns:adec="http://schemas.microsoft.com/office/drawing/2017/decorative" val="1"/>
-              </a:ext>
-            </a:extLst>
-          </p:cNvPr>
-          <p:cNvSpPr>
-            <a:spLocks noGrp="1" noRot="1" noChangeAspect="1" noMove="1" noResize="1" noEditPoints="1" noAdjustHandles="1" noChangeArrowheads="1" noChangeShapeType="1" noTextEdit="1"/>
-          </p:cNvSpPr>
-          <p:nvPr>
-            <p:extLst>
-              <p:ext uri="{386F3935-93C4-4BCD-93E2-E3B085C9AB24}">
-                <p16:designElem xmlns:p16="http://schemas.microsoft.com/office/powerpoint/2015/main" val="1"/>
-              </p:ext>
-            </p:extLst>
-          </p:nvPr>
-        </p:nvSpPr>
-        <p:spPr>
-          <a:xfrm>
-            <a:off x="0" y="0"/>
-            <a:ext cx="12192000" cy="6858000"/>
-          </a:xfrm>
-          <a:prstGeom prst="rect">
-            <a:avLst/>
-          </a:prstGeom>
-          <a:ln w="12700" cap="flat" cmpd="sng" algn="ctr">
-            <a:noFill/>
-            <a:prstDash val="solid"/>
-            <a:miter lim="800000"/>
-          </a:ln>
-          <a:effectLst/>
-          <a:extLst>
-            <a:ext uri="{91240B29-F687-4F45-9708-019B960494DF}">
-              <a14:hiddenLine xmlns:a14="http://schemas.microsoft.com/office/drawing/2010/main" w="12700" cap="flat" cmpd="sng" algn="ctr">
-                <a:solidFill>
-                  <a:schemeClr val="accent1">
-                    <a:shade val="50000"/>
-                  </a:schemeClr>
-                </a:solidFill>
-                <a:prstDash val="solid"/>
-                <a:miter lim="800000"/>
-              </a14:hiddenLine>
-            </a:ext>
-          </a:extLst>
-        </p:spPr>
-        <p:style>
-          <a:lnRef idx="2">
-            <a:schemeClr val="accent1">
-              <a:shade val="50000"/>
-            </a:schemeClr>
-          </a:lnRef>
-          <a:fillRef idx="1">
-            <a:schemeClr val="accent1"/>
-          </a:fillRef>
-          <a:effectRef idx="0">
-            <a:schemeClr val="accent1"/>
-          </a:effectRef>
-          <a:fontRef idx="minor">
-            <a:schemeClr val="lt1"/>
-          </a:fontRef>
-        </p:style>
-        <p:txBody>
-          <a:bodyPr rtlCol="0" anchor="ctr"/>
-          <a:lstStyle/>
-          <a:p>
-            <a:pPr algn="ctr"/>
-            <a:endParaRPr lang="en-US"/>
-          </a:p>
-        </p:txBody>
-      </p:sp>
-      <p:sp>
-        <p:nvSpPr>
-          <p:cNvPr id="11" name="Rectangle 10">
-            <a:extLst>
-              <a:ext uri="{FF2B5EF4-FFF2-40B4-BE49-F238E27FC236}">
-                <a16:creationId xmlns:a16="http://schemas.microsoft.com/office/drawing/2014/main" id="{BC30665E-D592-446F-98EB-15F172A22697}"/>
-              </a:ext>
-              <a:ext uri="{C183D7F6-B498-43B3-948B-1728B52AA6E4}">
-                <adec:decorative xmlns:adec="http://schemas.microsoft.com/office/drawing/2017/decorative" val="1"/>
-              </a:ext>
-            </a:extLst>
-          </p:cNvPr>
-          <p:cNvSpPr>
-            <a:spLocks noGrp="1" noRot="1" noChangeAspect="1" noMove="1" noResize="1" noEditPoints="1" noAdjustHandles="1" noChangeArrowheads="1" noChangeShapeType="1" noTextEdit="1"/>
-          </p:cNvSpPr>
-          <p:nvPr>
-            <p:extLst>
-              <p:ext uri="{386F3935-93C4-4BCD-93E2-E3B085C9AB24}">
-                <p16:designElem xmlns:p16="http://schemas.microsoft.com/office/powerpoint/2015/main" val="1"/>
-              </p:ext>
-            </p:extLst>
-          </p:nvPr>
-        </p:nvSpPr>
-        <p:spPr>
-          <a:xfrm>
-            <a:off x="0" y="0"/>
-            <a:ext cx="12192000" cy="6858000"/>
-          </a:xfrm>
-          <a:prstGeom prst="rect">
-            <a:avLst/>
-          </a:prstGeom>
-          <a:solidFill>
-            <a:schemeClr val="tx1"/>
-          </a:solidFill>
-          <a:ln w="12700" cap="flat" cmpd="sng" algn="ctr">
-            <a:noFill/>
-            <a:prstDash val="solid"/>
-            <a:miter lim="800000"/>
-          </a:ln>
-          <a:effectLst/>
-        </p:spPr>
-        <p:style>
-          <a:lnRef idx="2">
-            <a:schemeClr val="accent1">
-              <a:shade val="50000"/>
-            </a:schemeClr>
-          </a:lnRef>
-          <a:fillRef idx="1">
-            <a:schemeClr val="accent1"/>
-          </a:fillRef>
-          <a:effectRef idx="0">
-            <a:schemeClr val="accent1"/>
-          </a:effectRef>
-          <a:fontRef idx="minor">
-            <a:schemeClr val="lt1"/>
-          </a:fontRef>
-        </p:style>
-        <p:txBody>
-          <a:bodyPr rtlCol="0" anchor="ctr"/>
-          <a:lstStyle/>
-          <a:p>
-            <a:pPr algn="ctr"/>
-            <a:endParaRPr lang="en-US"/>
-          </a:p>
-        </p:txBody>
-      </p:sp>
-      <p:cxnSp>
-        <p:nvCxnSpPr>
-          <p:cNvPr id="13" name="Straight Connector 12">
-            <a:extLst>
-              <a:ext uri="{FF2B5EF4-FFF2-40B4-BE49-F238E27FC236}">
-                <a16:creationId xmlns:a16="http://schemas.microsoft.com/office/drawing/2014/main" id="{EE2E603F-4A95-4FE8-BB06-211DFD75DBEF}"/>
-              </a:ext>
-              <a:ext uri="{C183D7F6-B498-43B3-948B-1728B52AA6E4}">
-                <adec:decorative xmlns:adec="http://schemas.microsoft.com/office/drawing/2017/decorative" val="1"/>
-              </a:ext>
-            </a:extLst>
-          </p:cNvPr>
-          <p:cNvCxnSpPr>
-            <a:cxnSpLocks noGrp="1" noRot="1" noChangeAspect="1" noMove="1" noResize="1" noEditPoints="1" noAdjustHandles="1" noChangeArrowheads="1" noChangeShapeType="1"/>
-          </p:cNvCxnSpPr>
-          <p:nvPr>
-            <p:extLst>
-              <p:ext uri="{386F3935-93C4-4BCD-93E2-E3B085C9AB24}">
-                <p16:designElem xmlns:p16="http://schemas.microsoft.com/office/powerpoint/2015/main" val="1"/>
-              </p:ext>
-            </p:extLst>
-          </p:nvPr>
-        </p:nvCxnSpPr>
-        <p:spPr>
-          <a:xfrm>
-            <a:off x="800100" y="4555080"/>
-            <a:ext cx="10591800" cy="0"/>
-          </a:xfrm>
-          <a:prstGeom prst="line">
-            <a:avLst/>
-          </a:prstGeom>
-          <a:ln w="44450">
-            <a:solidFill>
-              <a:schemeClr val="bg1"/>
-            </a:solidFill>
-          </a:ln>
-        </p:spPr>
-        <p:style>
-          <a:lnRef idx="1">
-            <a:schemeClr val="accent1"/>
-          </a:lnRef>
-          <a:fillRef idx="0">
-            <a:schemeClr val="accent1"/>
-          </a:fillRef>
-          <a:effectRef idx="0">
-            <a:schemeClr val="accent1"/>
-          </a:effectRef>
-          <a:fontRef idx="minor">
-            <a:schemeClr val="tx1"/>
-          </a:fontRef>
-        </p:style>
-      </p:cxnSp>
-      <p:sp>
-        <p:nvSpPr>
-          <p:cNvPr id="2" name="Title 1">
-            <a:extLst>
-              <a:ext uri="{FF2B5EF4-FFF2-40B4-BE49-F238E27FC236}">
-                <a16:creationId xmlns:a16="http://schemas.microsoft.com/office/drawing/2014/main" id="{AA098BD5-C827-C457-D003-604C728F26B0}"/>
-              </a:ext>
-            </a:extLst>
-          </p:cNvPr>
-          <p:cNvSpPr>
-            <a:spLocks noGrp="1"/>
-          </p:cNvSpPr>
-          <p:nvPr>
-            <p:ph type="ctrTitle"/>
-          </p:nvPr>
-        </p:nvSpPr>
-        <p:spPr>
-          <a:xfrm>
-            <a:off x="703400" y="4702835"/>
-            <a:ext cx="10801350" cy="978772"/>
-          </a:xfrm>
-        </p:spPr>
-        <p:txBody>
-          <a:bodyPr>
-            <a:normAutofit/>
-          </a:bodyPr>
-          <a:lstStyle/>
-          <a:p>
-            <a:r>
-              <a:rPr lang="es-ES_tradnl" dirty="0">
-                <a:solidFill>
-                  <a:schemeClr val="bg1"/>
-                </a:solidFill>
-              </a:rPr>
-              <a:t>Combinando datos</a:t>
-            </a:r>
-          </a:p>
-        </p:txBody>
-      </p:sp>
-      <p:pic>
-        <p:nvPicPr>
-          <p:cNvPr id="4" name="Picture 3" descr="Vector background of vibrant colors splashing">
-            <a:extLst>
-              <a:ext uri="{FF2B5EF4-FFF2-40B4-BE49-F238E27FC236}">
-                <a16:creationId xmlns:a16="http://schemas.microsoft.com/office/drawing/2014/main" id="{201C4C40-33AE-980F-4F65-F2AAF88182E6}"/>
-              </a:ext>
-            </a:extLst>
-          </p:cNvPr>
-          <p:cNvPicPr>
-            <a:picLocks noChangeAspect="1"/>
-          </p:cNvPicPr>
-          <p:nvPr/>
-        </p:nvPicPr>
-        <p:blipFill rotWithShape="1">
-          <a:blip r:embed="rId2"/>
-          <a:srcRect t="34398" r="2" b="17120"/>
-          <a:stretch/>
-        </p:blipFill>
-        <p:spPr>
-          <a:xfrm>
-            <a:off x="800100" y="712916"/>
-            <a:ext cx="10591800" cy="3491895"/>
-          </a:xfrm>
-          <a:prstGeom prst="rect">
-            <a:avLst/>
-          </a:prstGeom>
-        </p:spPr>
-      </p:pic>
-    </p:spTree>
-    <p:extLst>
-      <p:ext uri="{BB962C8B-B14F-4D97-AF65-F5344CB8AC3E}">
-        <p14:creationId xmlns:p14="http://schemas.microsoft.com/office/powerpoint/2010/main" val="1158127330"/>
+        <p14:creationId xmlns:p14="http://schemas.microsoft.com/office/powerpoint/2010/main" val="1578933879"/>
       </p:ext>
     </p:extLst>
   </p:cSld>
